--- a/deep_learning/自然语言处理/绘图.pptx
+++ b/deep_learning/自然语言处理/绘图.pptx
@@ -4,6 +4,9 @@
   <p:sldMasterIdLst>
     <p:sldMasterId id="2147483648" r:id="rId1"/>
   </p:sldMasterIdLst>
+  <p:notesMasterIdLst>
+    <p:notesMasterId r:id="rId8"/>
+  </p:notesMasterIdLst>
   <p:sldIdLst>
     <p:sldId id="256" r:id="rId2"/>
     <p:sldId id="257" r:id="rId3"/>
@@ -115,6 +118,440 @@
     </p:ext>
   </p:extLst>
 </p:presentation>
+</file>
+
+<file path=ppt/notesMasters/notesMaster1.xml><?xml version="1.0" encoding="utf-8"?>
+<p:notesMaster xmlns:a="http://schemas.openxmlformats.org/drawingml/2006/main" xmlns:r="http://schemas.openxmlformats.org/officeDocument/2006/relationships" xmlns:p="http://schemas.openxmlformats.org/presentationml/2006/main">
+  <p:cSld>
+    <p:bg>
+      <p:bgRef idx="1001">
+        <a:schemeClr val="bg1"/>
+      </p:bgRef>
+    </p:bg>
+    <p:spTree>
+      <p:nvGrpSpPr>
+        <p:cNvPr id="1" name=""/>
+        <p:cNvGrpSpPr/>
+        <p:nvPr/>
+      </p:nvGrpSpPr>
+      <p:grpSpPr>
+        <a:xfrm>
+          <a:off x="0" y="0"/>
+          <a:ext cx="0" cy="0"/>
+          <a:chOff x="0" y="0"/>
+          <a:chExt cx="0" cy="0"/>
+        </a:xfrm>
+      </p:grpSpPr>
+      <p:sp>
+        <p:nvSpPr>
+          <p:cNvPr id="2" name="页眉占位符 1"/>
+          <p:cNvSpPr>
+            <a:spLocks noGrp="1"/>
+          </p:cNvSpPr>
+          <p:nvPr>
+            <p:ph type="hdr" sz="quarter"/>
+          </p:nvPr>
+        </p:nvSpPr>
+        <p:spPr>
+          <a:xfrm>
+            <a:off x="0" y="0"/>
+            <a:ext cx="2971800" cy="458788"/>
+          </a:xfrm>
+          <a:prstGeom prst="rect">
+            <a:avLst/>
+          </a:prstGeom>
+        </p:spPr>
+        <p:txBody>
+          <a:bodyPr vert="horz" lIns="91440" tIns="45720" rIns="91440" bIns="45720" rtlCol="0"/>
+          <a:lstStyle>
+            <a:lvl1pPr algn="l">
+              <a:defRPr sz="1200"/>
+            </a:lvl1pPr>
+          </a:lstStyle>
+          <a:p>
+            <a:endParaRPr lang="zh-CN" altLang="en-US"/>
+          </a:p>
+        </p:txBody>
+      </p:sp>
+      <p:sp>
+        <p:nvSpPr>
+          <p:cNvPr id="3" name="日期占位符 2"/>
+          <p:cNvSpPr>
+            <a:spLocks noGrp="1"/>
+          </p:cNvSpPr>
+          <p:nvPr>
+            <p:ph type="dt" idx="1"/>
+          </p:nvPr>
+        </p:nvSpPr>
+        <p:spPr>
+          <a:xfrm>
+            <a:off x="3884613" y="0"/>
+            <a:ext cx="2971800" cy="458788"/>
+          </a:xfrm>
+          <a:prstGeom prst="rect">
+            <a:avLst/>
+          </a:prstGeom>
+        </p:spPr>
+        <p:txBody>
+          <a:bodyPr vert="horz" lIns="91440" tIns="45720" rIns="91440" bIns="45720" rtlCol="0"/>
+          <a:lstStyle>
+            <a:lvl1pPr algn="r">
+              <a:defRPr sz="1200"/>
+            </a:lvl1pPr>
+          </a:lstStyle>
+          <a:p>
+            <a:fld id="{EC8935E3-E393-4070-ABE0-D34546B56C0A}" type="datetimeFigureOut">
+              <a:rPr lang="zh-CN" altLang="en-US" smtClean="0"/>
+              <a:t>2021/1/4</a:t>
+            </a:fld>
+            <a:endParaRPr lang="zh-CN" altLang="en-US"/>
+          </a:p>
+        </p:txBody>
+      </p:sp>
+      <p:sp>
+        <p:nvSpPr>
+          <p:cNvPr id="4" name="幻灯片图像占位符 3"/>
+          <p:cNvSpPr>
+            <a:spLocks noGrp="1" noRot="1" noChangeAspect="1"/>
+          </p:cNvSpPr>
+          <p:nvPr>
+            <p:ph type="sldImg" idx="2"/>
+          </p:nvPr>
+        </p:nvSpPr>
+        <p:spPr>
+          <a:xfrm>
+            <a:off x="685800" y="1143000"/>
+            <a:ext cx="5486400" cy="3086100"/>
+          </a:xfrm>
+          <a:prstGeom prst="rect">
+            <a:avLst/>
+          </a:prstGeom>
+          <a:noFill/>
+          <a:ln w="12700">
+            <a:solidFill>
+              <a:prstClr val="black"/>
+            </a:solidFill>
+          </a:ln>
+        </p:spPr>
+        <p:txBody>
+          <a:bodyPr vert="horz" lIns="91440" tIns="45720" rIns="91440" bIns="45720" rtlCol="0" anchor="ctr"/>
+          <a:lstStyle/>
+          <a:p>
+            <a:endParaRPr lang="zh-CN" altLang="en-US"/>
+          </a:p>
+        </p:txBody>
+      </p:sp>
+      <p:sp>
+        <p:nvSpPr>
+          <p:cNvPr id="5" name="备注占位符 4"/>
+          <p:cNvSpPr>
+            <a:spLocks noGrp="1"/>
+          </p:cNvSpPr>
+          <p:nvPr>
+            <p:ph type="body" sz="quarter" idx="3"/>
+          </p:nvPr>
+        </p:nvSpPr>
+        <p:spPr>
+          <a:xfrm>
+            <a:off x="685800" y="4400550"/>
+            <a:ext cx="5486400" cy="3600450"/>
+          </a:xfrm>
+          <a:prstGeom prst="rect">
+            <a:avLst/>
+          </a:prstGeom>
+        </p:spPr>
+        <p:txBody>
+          <a:bodyPr vert="horz" lIns="91440" tIns="45720" rIns="91440" bIns="45720" rtlCol="0"/>
+          <a:lstStyle/>
+          <a:p>
+            <a:pPr lvl="0"/>
+            <a:r>
+              <a:rPr lang="zh-CN" altLang="en-US" smtClean="0"/>
+              <a:t>编辑母版文本样式</a:t>
+            </a:r>
+          </a:p>
+          <a:p>
+            <a:pPr lvl="1"/>
+            <a:r>
+              <a:rPr lang="zh-CN" altLang="en-US" smtClean="0"/>
+              <a:t>第二级</a:t>
+            </a:r>
+          </a:p>
+          <a:p>
+            <a:pPr lvl="2"/>
+            <a:r>
+              <a:rPr lang="zh-CN" altLang="en-US" smtClean="0"/>
+              <a:t>第三级</a:t>
+            </a:r>
+          </a:p>
+          <a:p>
+            <a:pPr lvl="3"/>
+            <a:r>
+              <a:rPr lang="zh-CN" altLang="en-US" smtClean="0"/>
+              <a:t>第四级</a:t>
+            </a:r>
+          </a:p>
+          <a:p>
+            <a:pPr lvl="4"/>
+            <a:r>
+              <a:rPr lang="zh-CN" altLang="en-US" smtClean="0"/>
+              <a:t>第五级</a:t>
+            </a:r>
+            <a:endParaRPr lang="zh-CN" altLang="en-US"/>
+          </a:p>
+        </p:txBody>
+      </p:sp>
+      <p:sp>
+        <p:nvSpPr>
+          <p:cNvPr id="6" name="页脚占位符 5"/>
+          <p:cNvSpPr>
+            <a:spLocks noGrp="1"/>
+          </p:cNvSpPr>
+          <p:nvPr>
+            <p:ph type="ftr" sz="quarter" idx="4"/>
+          </p:nvPr>
+        </p:nvSpPr>
+        <p:spPr>
+          <a:xfrm>
+            <a:off x="0" y="8685213"/>
+            <a:ext cx="2971800" cy="458787"/>
+          </a:xfrm>
+          <a:prstGeom prst="rect">
+            <a:avLst/>
+          </a:prstGeom>
+        </p:spPr>
+        <p:txBody>
+          <a:bodyPr vert="horz" lIns="91440" tIns="45720" rIns="91440" bIns="45720" rtlCol="0" anchor="b"/>
+          <a:lstStyle>
+            <a:lvl1pPr algn="l">
+              <a:defRPr sz="1200"/>
+            </a:lvl1pPr>
+          </a:lstStyle>
+          <a:p>
+            <a:endParaRPr lang="zh-CN" altLang="en-US"/>
+          </a:p>
+        </p:txBody>
+      </p:sp>
+      <p:sp>
+        <p:nvSpPr>
+          <p:cNvPr id="7" name="灯片编号占位符 6"/>
+          <p:cNvSpPr>
+            <a:spLocks noGrp="1"/>
+          </p:cNvSpPr>
+          <p:nvPr>
+            <p:ph type="sldNum" sz="quarter" idx="5"/>
+          </p:nvPr>
+        </p:nvSpPr>
+        <p:spPr>
+          <a:xfrm>
+            <a:off x="3884613" y="8685213"/>
+            <a:ext cx="2971800" cy="458787"/>
+          </a:xfrm>
+          <a:prstGeom prst="rect">
+            <a:avLst/>
+          </a:prstGeom>
+        </p:spPr>
+        <p:txBody>
+          <a:bodyPr vert="horz" lIns="91440" tIns="45720" rIns="91440" bIns="45720" rtlCol="0" anchor="b"/>
+          <a:lstStyle>
+            <a:lvl1pPr algn="r">
+              <a:defRPr sz="1200"/>
+            </a:lvl1pPr>
+          </a:lstStyle>
+          <a:p>
+            <a:fld id="{ED6E5EF7-B5D8-4550-BA5B-E9F66BAD88EB}" type="slidenum">
+              <a:rPr lang="zh-CN" altLang="en-US" smtClean="0"/>
+              <a:t>‹#›</a:t>
+            </a:fld>
+            <a:endParaRPr lang="zh-CN" altLang="en-US"/>
+          </a:p>
+        </p:txBody>
+      </p:sp>
+    </p:spTree>
+    <p:extLst>
+      <p:ext uri="{BB962C8B-B14F-4D97-AF65-F5344CB8AC3E}">
+        <p14:creationId xmlns:p14="http://schemas.microsoft.com/office/powerpoint/2010/main" val="4232234382"/>
+      </p:ext>
+    </p:extLst>
+  </p:cSld>
+  <p:clrMap bg1="lt1" tx1="dk1" bg2="lt2" tx2="dk2" accent1="accent1" accent2="accent2" accent3="accent3" accent4="accent4" accent5="accent5" accent6="accent6" hlink="hlink" folHlink="folHlink"/>
+  <p:notesStyle>
+    <a:lvl1pPr marL="0" algn="l" defTabSz="914400" rtl="0" eaLnBrk="1" latinLnBrk="0" hangingPunct="1">
+      <a:defRPr sz="1200" kern="1200">
+        <a:solidFill>
+          <a:schemeClr val="tx1"/>
+        </a:solidFill>
+        <a:latin typeface="+mn-lt"/>
+        <a:ea typeface="+mn-ea"/>
+        <a:cs typeface="+mn-cs"/>
+      </a:defRPr>
+    </a:lvl1pPr>
+    <a:lvl2pPr marL="457200" algn="l" defTabSz="914400" rtl="0" eaLnBrk="1" latinLnBrk="0" hangingPunct="1">
+      <a:defRPr sz="1200" kern="1200">
+        <a:solidFill>
+          <a:schemeClr val="tx1"/>
+        </a:solidFill>
+        <a:latin typeface="+mn-lt"/>
+        <a:ea typeface="+mn-ea"/>
+        <a:cs typeface="+mn-cs"/>
+      </a:defRPr>
+    </a:lvl2pPr>
+    <a:lvl3pPr marL="914400" algn="l" defTabSz="914400" rtl="0" eaLnBrk="1" latinLnBrk="0" hangingPunct="1">
+      <a:defRPr sz="1200" kern="1200">
+        <a:solidFill>
+          <a:schemeClr val="tx1"/>
+        </a:solidFill>
+        <a:latin typeface="+mn-lt"/>
+        <a:ea typeface="+mn-ea"/>
+        <a:cs typeface="+mn-cs"/>
+      </a:defRPr>
+    </a:lvl3pPr>
+    <a:lvl4pPr marL="1371600" algn="l" defTabSz="914400" rtl="0" eaLnBrk="1" latinLnBrk="0" hangingPunct="1">
+      <a:defRPr sz="1200" kern="1200">
+        <a:solidFill>
+          <a:schemeClr val="tx1"/>
+        </a:solidFill>
+        <a:latin typeface="+mn-lt"/>
+        <a:ea typeface="+mn-ea"/>
+        <a:cs typeface="+mn-cs"/>
+      </a:defRPr>
+    </a:lvl4pPr>
+    <a:lvl5pPr marL="1828800" algn="l" defTabSz="914400" rtl="0" eaLnBrk="1" latinLnBrk="0" hangingPunct="1">
+      <a:defRPr sz="1200" kern="1200">
+        <a:solidFill>
+          <a:schemeClr val="tx1"/>
+        </a:solidFill>
+        <a:latin typeface="+mn-lt"/>
+        <a:ea typeface="+mn-ea"/>
+        <a:cs typeface="+mn-cs"/>
+      </a:defRPr>
+    </a:lvl5pPr>
+    <a:lvl6pPr marL="2286000" algn="l" defTabSz="914400" rtl="0" eaLnBrk="1" latinLnBrk="0" hangingPunct="1">
+      <a:defRPr sz="1200" kern="1200">
+        <a:solidFill>
+          <a:schemeClr val="tx1"/>
+        </a:solidFill>
+        <a:latin typeface="+mn-lt"/>
+        <a:ea typeface="+mn-ea"/>
+        <a:cs typeface="+mn-cs"/>
+      </a:defRPr>
+    </a:lvl6pPr>
+    <a:lvl7pPr marL="2743200" algn="l" defTabSz="914400" rtl="0" eaLnBrk="1" latinLnBrk="0" hangingPunct="1">
+      <a:defRPr sz="1200" kern="1200">
+        <a:solidFill>
+          <a:schemeClr val="tx1"/>
+        </a:solidFill>
+        <a:latin typeface="+mn-lt"/>
+        <a:ea typeface="+mn-ea"/>
+        <a:cs typeface="+mn-cs"/>
+      </a:defRPr>
+    </a:lvl7pPr>
+    <a:lvl8pPr marL="3200400" algn="l" defTabSz="914400" rtl="0" eaLnBrk="1" latinLnBrk="0" hangingPunct="1">
+      <a:defRPr sz="1200" kern="1200">
+        <a:solidFill>
+          <a:schemeClr val="tx1"/>
+        </a:solidFill>
+        <a:latin typeface="+mn-lt"/>
+        <a:ea typeface="+mn-ea"/>
+        <a:cs typeface="+mn-cs"/>
+      </a:defRPr>
+    </a:lvl8pPr>
+    <a:lvl9pPr marL="3657600" algn="l" defTabSz="914400" rtl="0" eaLnBrk="1" latinLnBrk="0" hangingPunct="1">
+      <a:defRPr sz="1200" kern="1200">
+        <a:solidFill>
+          <a:schemeClr val="tx1"/>
+        </a:solidFill>
+        <a:latin typeface="+mn-lt"/>
+        <a:ea typeface="+mn-ea"/>
+        <a:cs typeface="+mn-cs"/>
+      </a:defRPr>
+    </a:lvl9pPr>
+  </p:notesStyle>
+</p:notesMaster>
+</file>
+
+<file path=ppt/notesSlides/notesSlide1.xml><?xml version="1.0" encoding="utf-8"?>
+<p:notes xmlns:a="http://schemas.openxmlformats.org/drawingml/2006/main" xmlns:r="http://schemas.openxmlformats.org/officeDocument/2006/relationships" xmlns:p="http://schemas.openxmlformats.org/presentationml/2006/main">
+  <p:cSld>
+    <p:spTree>
+      <p:nvGrpSpPr>
+        <p:cNvPr id="1" name=""/>
+        <p:cNvGrpSpPr/>
+        <p:nvPr/>
+      </p:nvGrpSpPr>
+      <p:grpSpPr>
+        <a:xfrm>
+          <a:off x="0" y="0"/>
+          <a:ext cx="0" cy="0"/>
+          <a:chOff x="0" y="0"/>
+          <a:chExt cx="0" cy="0"/>
+        </a:xfrm>
+      </p:grpSpPr>
+      <p:sp>
+        <p:nvSpPr>
+          <p:cNvPr id="2" name="幻灯片图像占位符 1"/>
+          <p:cNvSpPr>
+            <a:spLocks noGrp="1" noRot="1" noChangeAspect="1"/>
+          </p:cNvSpPr>
+          <p:nvPr>
+            <p:ph type="sldImg"/>
+          </p:nvPr>
+        </p:nvSpPr>
+        <p:spPr/>
+      </p:sp>
+      <p:sp>
+        <p:nvSpPr>
+          <p:cNvPr id="3" name="备注占位符 2"/>
+          <p:cNvSpPr>
+            <a:spLocks noGrp="1"/>
+          </p:cNvSpPr>
+          <p:nvPr>
+            <p:ph type="body" idx="1"/>
+          </p:nvPr>
+        </p:nvSpPr>
+        <p:spPr/>
+        <p:txBody>
+          <a:bodyPr/>
+          <a:lstStyle/>
+          <a:p>
+            <a:endParaRPr lang="zh-CN" altLang="en-US"/>
+          </a:p>
+        </p:txBody>
+      </p:sp>
+      <p:sp>
+        <p:nvSpPr>
+          <p:cNvPr id="4" name="灯片编号占位符 3"/>
+          <p:cNvSpPr>
+            <a:spLocks noGrp="1"/>
+          </p:cNvSpPr>
+          <p:nvPr>
+            <p:ph type="sldNum" sz="quarter" idx="10"/>
+          </p:nvPr>
+        </p:nvSpPr>
+        <p:spPr/>
+        <p:txBody>
+          <a:bodyPr/>
+          <a:lstStyle/>
+          <a:p>
+            <a:fld id="{ED6E5EF7-B5D8-4550-BA5B-E9F66BAD88EB}" type="slidenum">
+              <a:rPr lang="zh-CN" altLang="en-US" smtClean="0"/>
+              <a:t>6</a:t>
+            </a:fld>
+            <a:endParaRPr lang="zh-CN" altLang="en-US"/>
+          </a:p>
+        </p:txBody>
+      </p:sp>
+    </p:spTree>
+    <p:extLst>
+      <p:ext uri="{BB962C8B-B14F-4D97-AF65-F5344CB8AC3E}">
+        <p14:creationId xmlns:p14="http://schemas.microsoft.com/office/powerpoint/2010/main" val="69423156"/>
+      </p:ext>
+    </p:extLst>
+  </p:cSld>
+  <p:clrMapOvr>
+    <a:masterClrMapping/>
+  </p:clrMapOvr>
+</p:notes>
 </file>
 
 <file path=ppt/slideLayouts/slideLayout1.xml><?xml version="1.0" encoding="utf-8"?>
@@ -248,7 +685,7 @@
           <a:p>
             <a:fld id="{D3E4C634-38D1-44E8-B0B3-249FF07E23AD}" type="datetimeFigureOut">
               <a:rPr lang="zh-CN" altLang="en-US" smtClean="0"/>
-              <a:t>2021/1/3</a:t>
+              <a:t>2021/1/4</a:t>
             </a:fld>
             <a:endParaRPr lang="zh-CN" altLang="en-US"/>
           </a:p>
@@ -418,7 +855,7 @@
           <a:p>
             <a:fld id="{D3E4C634-38D1-44E8-B0B3-249FF07E23AD}" type="datetimeFigureOut">
               <a:rPr lang="zh-CN" altLang="en-US" smtClean="0"/>
-              <a:t>2021/1/3</a:t>
+              <a:t>2021/1/4</a:t>
             </a:fld>
             <a:endParaRPr lang="zh-CN" altLang="en-US"/>
           </a:p>
@@ -598,7 +1035,7 @@
           <a:p>
             <a:fld id="{D3E4C634-38D1-44E8-B0B3-249FF07E23AD}" type="datetimeFigureOut">
               <a:rPr lang="zh-CN" altLang="en-US" smtClean="0"/>
-              <a:t>2021/1/3</a:t>
+              <a:t>2021/1/4</a:t>
             </a:fld>
             <a:endParaRPr lang="zh-CN" altLang="en-US"/>
           </a:p>
@@ -768,7 +1205,7 @@
           <a:p>
             <a:fld id="{D3E4C634-38D1-44E8-B0B3-249FF07E23AD}" type="datetimeFigureOut">
               <a:rPr lang="zh-CN" altLang="en-US" smtClean="0"/>
-              <a:t>2021/1/3</a:t>
+              <a:t>2021/1/4</a:t>
             </a:fld>
             <a:endParaRPr lang="zh-CN" altLang="en-US"/>
           </a:p>
@@ -1014,7 +1451,7 @@
           <a:p>
             <a:fld id="{D3E4C634-38D1-44E8-B0B3-249FF07E23AD}" type="datetimeFigureOut">
               <a:rPr lang="zh-CN" altLang="en-US" smtClean="0"/>
-              <a:t>2021/1/3</a:t>
+              <a:t>2021/1/4</a:t>
             </a:fld>
             <a:endParaRPr lang="zh-CN" altLang="en-US"/>
           </a:p>
@@ -1246,7 +1683,7 @@
           <a:p>
             <a:fld id="{D3E4C634-38D1-44E8-B0B3-249FF07E23AD}" type="datetimeFigureOut">
               <a:rPr lang="zh-CN" altLang="en-US" smtClean="0"/>
-              <a:t>2021/1/3</a:t>
+              <a:t>2021/1/4</a:t>
             </a:fld>
             <a:endParaRPr lang="zh-CN" altLang="en-US"/>
           </a:p>
@@ -1613,7 +2050,7 @@
           <a:p>
             <a:fld id="{D3E4C634-38D1-44E8-B0B3-249FF07E23AD}" type="datetimeFigureOut">
               <a:rPr lang="zh-CN" altLang="en-US" smtClean="0"/>
-              <a:t>2021/1/3</a:t>
+              <a:t>2021/1/4</a:t>
             </a:fld>
             <a:endParaRPr lang="zh-CN" altLang="en-US"/>
           </a:p>
@@ -1731,7 +2168,7 @@
           <a:p>
             <a:fld id="{D3E4C634-38D1-44E8-B0B3-249FF07E23AD}" type="datetimeFigureOut">
               <a:rPr lang="zh-CN" altLang="en-US" smtClean="0"/>
-              <a:t>2021/1/3</a:t>
+              <a:t>2021/1/4</a:t>
             </a:fld>
             <a:endParaRPr lang="zh-CN" altLang="en-US"/>
           </a:p>
@@ -1826,7 +2263,7 @@
           <a:p>
             <a:fld id="{D3E4C634-38D1-44E8-B0B3-249FF07E23AD}" type="datetimeFigureOut">
               <a:rPr lang="zh-CN" altLang="en-US" smtClean="0"/>
-              <a:t>2021/1/3</a:t>
+              <a:t>2021/1/4</a:t>
             </a:fld>
             <a:endParaRPr lang="zh-CN" altLang="en-US"/>
           </a:p>
@@ -2103,7 +2540,7 @@
           <a:p>
             <a:fld id="{D3E4C634-38D1-44E8-B0B3-249FF07E23AD}" type="datetimeFigureOut">
               <a:rPr lang="zh-CN" altLang="en-US" smtClean="0"/>
-              <a:t>2021/1/3</a:t>
+              <a:t>2021/1/4</a:t>
             </a:fld>
             <a:endParaRPr lang="zh-CN" altLang="en-US"/>
           </a:p>
@@ -2356,7 +2793,7 @@
           <a:p>
             <a:fld id="{D3E4C634-38D1-44E8-B0B3-249FF07E23AD}" type="datetimeFigureOut">
               <a:rPr lang="zh-CN" altLang="en-US" smtClean="0"/>
-              <a:t>2021/1/3</a:t>
+              <a:t>2021/1/4</a:t>
             </a:fld>
             <a:endParaRPr lang="zh-CN" altLang="en-US"/>
           </a:p>
@@ -2569,7 +3006,7 @@
           <a:p>
             <a:fld id="{D3E4C634-38D1-44E8-B0B3-249FF07E23AD}" type="datetimeFigureOut">
               <a:rPr lang="zh-CN" altLang="en-US" smtClean="0"/>
-              <a:t>2021/1/3</a:t>
+              <a:t>2021/1/4</a:t>
             </a:fld>
             <a:endParaRPr lang="zh-CN" altLang="en-US"/>
           </a:p>
@@ -5011,16 +5448,6 @@
               </a:rPr>
               <a:t>学习</a:t>
             </a:r>
-            <a:endParaRPr lang="zh-CN" altLang="en-US" sz="1200" b="1">
-              <a:solidFill>
-                <a:schemeClr val="accent6">
-                  <a:lumMod val="60000"/>
-                  <a:lumOff val="40000"/>
-                </a:schemeClr>
-              </a:solidFill>
-              <a:latin typeface="微软雅黑" panose="020B0503020204020204" pitchFamily="34" charset="-122"/>
-              <a:ea typeface="微软雅黑" panose="020B0503020204020204" pitchFamily="34" charset="-122"/>
-            </a:endParaRPr>
           </a:p>
         </p:txBody>
       </p:sp>
@@ -7281,16 +7708,6 @@
               </a:rPr>
               <a:t>学习</a:t>
             </a:r>
-            <a:endParaRPr lang="zh-CN" altLang="en-US" sz="900" b="1">
-              <a:solidFill>
-                <a:schemeClr val="accent2">
-                  <a:lumMod val="60000"/>
-                  <a:lumOff val="40000"/>
-                </a:schemeClr>
-              </a:solidFill>
-              <a:latin typeface="微软雅黑" panose="020B0503020204020204" pitchFamily="34" charset="-122"/>
-              <a:ea typeface="微软雅黑" panose="020B0503020204020204" pitchFamily="34" charset="-122"/>
-            </a:endParaRPr>
           </a:p>
         </p:txBody>
       </p:sp>
@@ -7453,16 +7870,6 @@
               </a:rPr>
               <a:t>学习</a:t>
             </a:r>
-            <a:endParaRPr lang="zh-CN" altLang="en-US" sz="1200" b="1">
-              <a:solidFill>
-                <a:schemeClr val="accent6">
-                  <a:lumMod val="60000"/>
-                  <a:lumOff val="40000"/>
-                </a:schemeClr>
-              </a:solidFill>
-              <a:latin typeface="微软雅黑" panose="020B0503020204020204" pitchFamily="34" charset="-122"/>
-              <a:ea typeface="微软雅黑" panose="020B0503020204020204" pitchFamily="34" charset="-122"/>
-            </a:endParaRPr>
           </a:p>
         </p:txBody>
       </p:sp>
@@ -8627,8 +9034,8 @@
           </a:p>
         </p:txBody>
       </p:sp>
-      <mc:AlternateContent xmlns:mc="http://schemas.openxmlformats.org/markup-compatibility/2006">
-        <mc:Choice xmlns:a14="http://schemas.microsoft.com/office/drawing/2010/main" Requires="a14">
+      <mc:AlternateContent xmlns:mc="http://schemas.openxmlformats.org/markup-compatibility/2006" xmlns:a14="http://schemas.microsoft.com/office/drawing/2010/main">
+        <mc:Choice Requires="a14">
           <p:sp>
             <p:nvSpPr>
               <p:cNvPr id="94" name="文本框 93"/>
@@ -8651,6 +9058,7 @@
               </a:bodyPr>
               <a:lstStyle/>
               <a:p>
+                <a:pPr/>
                 <a14:m>
                   <m:oMathPara xmlns:m="http://schemas.openxmlformats.org/officeDocument/2006/math">
                     <m:oMathParaPr>
@@ -8740,7 +9148,7 @@
             </p:txBody>
           </p:sp>
         </mc:Choice>
-        <mc:Fallback>
+        <mc:Fallback xmlns="">
           <p:sp>
             <p:nvSpPr>
               <p:cNvPr id="94" name="文本框 93"/>
@@ -9916,8 +10324,8 @@
           </a:graphicData>
         </a:graphic>
       </p:graphicFrame>
-      <mc:AlternateContent xmlns:mc="http://schemas.openxmlformats.org/markup-compatibility/2006">
-        <mc:Choice xmlns:a14="http://schemas.microsoft.com/office/drawing/2010/main" Requires="a14">
+      <mc:AlternateContent xmlns:mc="http://schemas.openxmlformats.org/markup-compatibility/2006" xmlns:a14="http://schemas.microsoft.com/office/drawing/2010/main">
+        <mc:Choice Requires="a14">
           <p:sp>
             <p:nvSpPr>
               <p:cNvPr id="102" name="文本框 101"/>
@@ -9940,6 +10348,7 @@
               </a:bodyPr>
               <a:lstStyle/>
               <a:p>
+                <a:pPr/>
                 <a14:m>
                   <m:oMathPara xmlns:m="http://schemas.openxmlformats.org/officeDocument/2006/math">
                     <m:oMathParaPr>
@@ -10029,7 +10438,7 @@
             </p:txBody>
           </p:sp>
         </mc:Choice>
-        <mc:Fallback>
+        <mc:Fallback xmlns="">
           <p:sp>
             <p:nvSpPr>
               <p:cNvPr id="102" name="文本框 101"/>
@@ -10107,8 +10516,8 @@
           </a:fontRef>
         </p:style>
       </p:cxnSp>
-      <mc:AlternateContent xmlns:mc="http://schemas.openxmlformats.org/markup-compatibility/2006">
-        <mc:Choice xmlns:a14="http://schemas.microsoft.com/office/drawing/2010/main" Requires="a14">
+      <mc:AlternateContent xmlns:mc="http://schemas.openxmlformats.org/markup-compatibility/2006" xmlns:a14="http://schemas.microsoft.com/office/drawing/2010/main">
+        <mc:Choice Requires="a14">
           <p:sp>
             <p:nvSpPr>
               <p:cNvPr id="103" name="文本框 102"/>
@@ -10131,6 +10540,7 @@
               </a:bodyPr>
               <a:lstStyle/>
               <a:p>
+                <a:pPr/>
                 <a14:m>
                   <m:oMathPara xmlns:m="http://schemas.openxmlformats.org/officeDocument/2006/math">
                     <m:oMathParaPr>
@@ -10212,7 +10622,7 @@
             </p:txBody>
           </p:sp>
         </mc:Choice>
-        <mc:Fallback>
+        <mc:Fallback xmlns="">
           <p:sp>
             <p:nvSpPr>
               <p:cNvPr id="103" name="文本框 102"/>
@@ -10420,16 +10830,6 @@
               </a:rPr>
               <a:t>学习</a:t>
             </a:r>
-            <a:endParaRPr lang="zh-CN" altLang="en-US" sz="1200" b="1">
-              <a:solidFill>
-                <a:schemeClr val="accent6">
-                  <a:lumMod val="60000"/>
-                  <a:lumOff val="40000"/>
-                </a:schemeClr>
-              </a:solidFill>
-              <a:latin typeface="微软雅黑" panose="020B0503020204020204" pitchFamily="34" charset="-122"/>
-              <a:ea typeface="微软雅黑" panose="020B0503020204020204" pitchFamily="34" charset="-122"/>
-            </a:endParaRPr>
           </a:p>
         </p:txBody>
       </p:sp>
@@ -11729,8 +12129,8 @@
           </a:graphicData>
         </a:graphic>
       </p:graphicFrame>
-      <mc:AlternateContent xmlns:mc="http://schemas.openxmlformats.org/markup-compatibility/2006">
-        <mc:Choice xmlns:a14="http://schemas.microsoft.com/office/drawing/2010/main" Requires="a14">
+      <mc:AlternateContent xmlns:mc="http://schemas.openxmlformats.org/markup-compatibility/2006" xmlns:a14="http://schemas.microsoft.com/office/drawing/2010/main">
+        <mc:Choice Requires="a14">
           <p:sp>
             <p:nvSpPr>
               <p:cNvPr id="129" name="文本框 128"/>
@@ -11753,6 +12153,7 @@
               </a:bodyPr>
               <a:lstStyle/>
               <a:p>
+                <a:pPr/>
                 <a14:m>
                   <m:oMathPara xmlns:m="http://schemas.openxmlformats.org/officeDocument/2006/math">
                     <m:oMathParaPr>
@@ -11818,7 +12219,7 @@
             </p:txBody>
           </p:sp>
         </mc:Choice>
-        <mc:Fallback>
+        <mc:Fallback xmlns="">
           <p:sp>
             <p:nvSpPr>
               <p:cNvPr id="129" name="文本框 128"/>
@@ -12253,8 +12654,8 @@
           </a:p>
         </p:txBody>
       </p:sp>
-      <mc:AlternateContent xmlns:mc="http://schemas.openxmlformats.org/markup-compatibility/2006">
-        <mc:Choice xmlns:a14="http://schemas.microsoft.com/office/drawing/2010/main" Requires="a14">
+      <mc:AlternateContent xmlns:mc="http://schemas.openxmlformats.org/markup-compatibility/2006" xmlns:a14="http://schemas.microsoft.com/office/drawing/2010/main">
+        <mc:Choice Requires="a14">
           <p:sp>
             <p:nvSpPr>
               <p:cNvPr id="102" name="文本框 101"/>
@@ -12277,6 +12678,7 @@
               </a:bodyPr>
               <a:lstStyle/>
               <a:p>
+                <a:pPr/>
                 <a14:m>
                   <m:oMathPara xmlns:m="http://schemas.openxmlformats.org/officeDocument/2006/math">
                     <m:oMathParaPr>
@@ -12366,7 +12768,7 @@
             </p:txBody>
           </p:sp>
         </mc:Choice>
-        <mc:Fallback>
+        <mc:Fallback xmlns="">
           <p:sp>
             <p:nvSpPr>
               <p:cNvPr id="102" name="文本框 101"/>
@@ -12574,16 +12976,6 @@
               </a:rPr>
               <a:t>学习</a:t>
             </a:r>
-            <a:endParaRPr lang="zh-CN" altLang="en-US" sz="1200" b="1">
-              <a:solidFill>
-                <a:schemeClr val="accent6">
-                  <a:lumMod val="60000"/>
-                  <a:lumOff val="40000"/>
-                </a:schemeClr>
-              </a:solidFill>
-              <a:latin typeface="微软雅黑" panose="020B0503020204020204" pitchFamily="34" charset="-122"/>
-              <a:ea typeface="微软雅黑" panose="020B0503020204020204" pitchFamily="34" charset="-122"/>
-            </a:endParaRPr>
           </a:p>
         </p:txBody>
       </p:sp>
@@ -13883,8 +14275,8 @@
           </a:graphicData>
         </a:graphic>
       </p:graphicFrame>
-      <mc:AlternateContent xmlns:mc="http://schemas.openxmlformats.org/markup-compatibility/2006">
-        <mc:Choice xmlns:a14="http://schemas.microsoft.com/office/drawing/2010/main" Requires="a14">
+      <mc:AlternateContent xmlns:mc="http://schemas.openxmlformats.org/markup-compatibility/2006" xmlns:a14="http://schemas.microsoft.com/office/drawing/2010/main">
+        <mc:Choice Requires="a14">
           <p:sp>
             <p:nvSpPr>
               <p:cNvPr id="129" name="文本框 128"/>
@@ -13907,6 +14299,7 @@
               </a:bodyPr>
               <a:lstStyle/>
               <a:p>
+                <a:pPr/>
                 <a14:m>
                   <m:oMathPara xmlns:m="http://schemas.openxmlformats.org/officeDocument/2006/math">
                     <m:oMathParaPr>
@@ -13972,7 +14365,7 @@
             </p:txBody>
           </p:sp>
         </mc:Choice>
-        <mc:Fallback>
+        <mc:Fallback xmlns="">
           <p:sp>
             <p:nvSpPr>
               <p:cNvPr id="129" name="文本框 128"/>
@@ -15137,8 +15530,8 @@
           </a:p>
         </p:txBody>
       </p:sp>
-      <mc:AlternateContent xmlns:mc="http://schemas.openxmlformats.org/markup-compatibility/2006">
-        <mc:Choice xmlns:a14="http://schemas.microsoft.com/office/drawing/2010/main" Requires="a14">
+      <mc:AlternateContent xmlns:mc="http://schemas.openxmlformats.org/markup-compatibility/2006" xmlns:a14="http://schemas.microsoft.com/office/drawing/2010/main">
+        <mc:Choice Requires="a14">
           <p:sp>
             <p:nvSpPr>
               <p:cNvPr id="107" name="文本框 106"/>
@@ -15161,6 +15554,7 @@
               </a:bodyPr>
               <a:lstStyle/>
               <a:p>
+                <a:pPr/>
                 <a14:m>
                   <m:oMathPara xmlns:m="http://schemas.openxmlformats.org/officeDocument/2006/math">
                     <m:oMathParaPr>
@@ -15264,7 +15658,7 @@
             </p:txBody>
           </p:sp>
         </mc:Choice>
-        <mc:Fallback>
+        <mc:Fallback xmlns="">
           <p:sp>
             <p:nvSpPr>
               <p:cNvPr id="107" name="文本框 106"/>
@@ -16557,8 +16951,8 @@
           </a:graphicData>
         </a:graphic>
       </p:graphicFrame>
-      <mc:AlternateContent xmlns:mc="http://schemas.openxmlformats.org/markup-compatibility/2006">
-        <mc:Choice xmlns:a14="http://schemas.microsoft.com/office/drawing/2010/main" Requires="a14">
+      <mc:AlternateContent xmlns:mc="http://schemas.openxmlformats.org/markup-compatibility/2006" xmlns:a14="http://schemas.microsoft.com/office/drawing/2010/main">
+        <mc:Choice Requires="a14">
           <p:sp>
             <p:nvSpPr>
               <p:cNvPr id="112" name="文本框 111"/>
@@ -16581,6 +16975,7 @@
               </a:bodyPr>
               <a:lstStyle/>
               <a:p>
+                <a:pPr/>
                 <a14:m>
                   <m:oMathPara xmlns:m="http://schemas.openxmlformats.org/officeDocument/2006/math">
                     <m:oMathParaPr>
@@ -16902,7 +17297,7 @@
             </p:txBody>
           </p:sp>
         </mc:Choice>
-        <mc:Fallback>
+        <mc:Fallback xmlns="">
           <p:sp>
             <p:nvSpPr>
               <p:cNvPr id="112" name="文本框 111"/>
@@ -16941,8 +17336,8 @@
           </p:sp>
         </mc:Fallback>
       </mc:AlternateContent>
-      <mc:AlternateContent xmlns:mc="http://schemas.openxmlformats.org/markup-compatibility/2006">
-        <mc:Choice xmlns:a14="http://schemas.microsoft.com/office/drawing/2010/main" Requires="a14">
+      <mc:AlternateContent xmlns:mc="http://schemas.openxmlformats.org/markup-compatibility/2006" xmlns:a14="http://schemas.microsoft.com/office/drawing/2010/main">
+        <mc:Choice Requires="a14">
           <p:sp>
             <p:nvSpPr>
               <p:cNvPr id="113" name="文本框 112"/>
@@ -16965,6 +17360,7 @@
               </a:bodyPr>
               <a:lstStyle/>
               <a:p>
+                <a:pPr/>
                 <a14:m>
                   <m:oMathPara xmlns:m="http://schemas.openxmlformats.org/officeDocument/2006/math">
                     <m:oMathParaPr>
@@ -17278,7 +17674,7 @@
             </p:txBody>
           </p:sp>
         </mc:Choice>
-        <mc:Fallback>
+        <mc:Fallback xmlns="">
           <p:sp>
             <p:nvSpPr>
               <p:cNvPr id="113" name="文本框 112"/>
@@ -17317,8 +17713,8 @@
           </p:sp>
         </mc:Fallback>
       </mc:AlternateContent>
-      <mc:AlternateContent xmlns:mc="http://schemas.openxmlformats.org/markup-compatibility/2006">
-        <mc:Choice xmlns:a14="http://schemas.microsoft.com/office/drawing/2010/main" Requires="a14">
+      <mc:AlternateContent xmlns:mc="http://schemas.openxmlformats.org/markup-compatibility/2006" xmlns:a14="http://schemas.microsoft.com/office/drawing/2010/main">
+        <mc:Choice Requires="a14">
           <p:sp>
             <p:nvSpPr>
               <p:cNvPr id="10" name="矩形 9"/>
@@ -17340,6 +17736,7 @@
               </a:bodyPr>
               <a:lstStyle/>
               <a:p>
+                <a:pPr/>
                 <a14:m>
                   <m:oMathPara xmlns:m="http://schemas.openxmlformats.org/officeDocument/2006/math">
                     <m:oMathParaPr>
@@ -17407,7 +17804,7 @@
             </p:txBody>
           </p:sp>
         </mc:Choice>
-        <mc:Fallback>
+        <mc:Fallback xmlns="">
           <p:sp>
             <p:nvSpPr>
               <p:cNvPr id="10" name="矩形 9"/>
@@ -17446,8 +17843,8 @@
           </p:sp>
         </mc:Fallback>
       </mc:AlternateContent>
-      <mc:AlternateContent xmlns:mc="http://schemas.openxmlformats.org/markup-compatibility/2006">
-        <mc:Choice xmlns:a14="http://schemas.microsoft.com/office/drawing/2010/main" Requires="a14">
+      <mc:AlternateContent xmlns:mc="http://schemas.openxmlformats.org/markup-compatibility/2006" xmlns:a14="http://schemas.microsoft.com/office/drawing/2010/main">
+        <mc:Choice Requires="a14">
           <p:sp>
             <p:nvSpPr>
               <p:cNvPr id="114" name="矩形 113"/>
@@ -17469,6 +17866,7 @@
               </a:bodyPr>
               <a:lstStyle/>
               <a:p>
+                <a:pPr/>
                 <a14:m>
                   <m:oMathPara xmlns:m="http://schemas.openxmlformats.org/officeDocument/2006/math">
                     <m:oMathParaPr>
@@ -17536,7 +17934,7 @@
             </p:txBody>
           </p:sp>
         </mc:Choice>
-        <mc:Fallback>
+        <mc:Fallback xmlns="">
           <p:sp>
             <p:nvSpPr>
               <p:cNvPr id="114" name="矩形 113"/>
@@ -17575,8 +17973,8 @@
           </p:sp>
         </mc:Fallback>
       </mc:AlternateContent>
-      <mc:AlternateContent xmlns:mc="http://schemas.openxmlformats.org/markup-compatibility/2006">
-        <mc:Choice xmlns:a14="http://schemas.microsoft.com/office/drawing/2010/main" Requires="a14">
+      <mc:AlternateContent xmlns:mc="http://schemas.openxmlformats.org/markup-compatibility/2006" xmlns:a14="http://schemas.microsoft.com/office/drawing/2010/main">
+        <mc:Choice Requires="a14">
           <p:sp>
             <p:nvSpPr>
               <p:cNvPr id="115" name="矩形 114"/>
@@ -17598,6 +17996,7 @@
               </a:bodyPr>
               <a:lstStyle/>
               <a:p>
+                <a:pPr/>
                 <a14:m>
                   <m:oMathPara xmlns:m="http://schemas.openxmlformats.org/officeDocument/2006/math">
                     <m:oMathParaPr>
@@ -17665,7 +18064,7 @@
             </p:txBody>
           </p:sp>
         </mc:Choice>
-        <mc:Fallback>
+        <mc:Fallback xmlns="">
           <p:sp>
             <p:nvSpPr>
               <p:cNvPr id="115" name="矩形 114"/>
@@ -17704,8 +18103,8 @@
           </p:sp>
         </mc:Fallback>
       </mc:AlternateContent>
-      <mc:AlternateContent xmlns:mc="http://schemas.openxmlformats.org/markup-compatibility/2006">
-        <mc:Choice xmlns:a14="http://schemas.microsoft.com/office/drawing/2010/main" Requires="a14">
+      <mc:AlternateContent xmlns:mc="http://schemas.openxmlformats.org/markup-compatibility/2006" xmlns:a14="http://schemas.microsoft.com/office/drawing/2010/main">
+        <mc:Choice Requires="a14">
           <p:sp>
             <p:nvSpPr>
               <p:cNvPr id="128" name="矩形 127"/>
@@ -17727,6 +18126,7 @@
               </a:bodyPr>
               <a:lstStyle/>
               <a:p>
+                <a:pPr/>
                 <a14:m>
                   <m:oMathPara xmlns:m="http://schemas.openxmlformats.org/officeDocument/2006/math">
                     <m:oMathParaPr>
@@ -17794,7 +18194,7 @@
             </p:txBody>
           </p:sp>
         </mc:Choice>
-        <mc:Fallback>
+        <mc:Fallback xmlns="">
           <p:sp>
             <p:nvSpPr>
               <p:cNvPr id="128" name="矩形 127"/>
@@ -18746,16 +19146,6 @@
               </a:rPr>
               <a:t>学习</a:t>
             </a:r>
-            <a:endParaRPr lang="zh-CN" altLang="en-US" sz="1200" b="1">
-              <a:solidFill>
-                <a:schemeClr val="accent6">
-                  <a:lumMod val="60000"/>
-                  <a:lumOff val="40000"/>
-                </a:schemeClr>
-              </a:solidFill>
-              <a:latin typeface="微软雅黑" panose="020B0503020204020204" pitchFamily="34" charset="-122"/>
-              <a:ea typeface="微软雅黑" panose="020B0503020204020204" pitchFamily="34" charset="-122"/>
-            </a:endParaRPr>
           </a:p>
         </p:txBody>
       </p:sp>
@@ -19971,8 +20361,8 @@
           </a:graphicData>
         </a:graphic>
       </p:graphicFrame>
-      <mc:AlternateContent xmlns:mc="http://schemas.openxmlformats.org/markup-compatibility/2006">
-        <mc:Choice xmlns:a14="http://schemas.microsoft.com/office/drawing/2010/main" Requires="a14">
+      <mc:AlternateContent xmlns:mc="http://schemas.openxmlformats.org/markup-compatibility/2006" xmlns:a14="http://schemas.microsoft.com/office/drawing/2010/main">
+        <mc:Choice Requires="a14">
           <p:sp>
             <p:nvSpPr>
               <p:cNvPr id="129" name="文本框 128"/>
@@ -19995,6 +20385,7 @@
               </a:bodyPr>
               <a:lstStyle/>
               <a:p>
+                <a:pPr/>
                 <a14:m>
                   <m:oMathPara xmlns:m="http://schemas.openxmlformats.org/officeDocument/2006/math">
                     <m:oMathParaPr>
@@ -20076,7 +20467,7 @@
             </p:txBody>
           </p:sp>
         </mc:Choice>
-        <mc:Fallback>
+        <mc:Fallback xmlns="">
           <p:sp>
             <p:nvSpPr>
               <p:cNvPr id="129" name="文本框 128"/>
@@ -20094,7 +20485,7 @@
                 <a:avLst/>
               </a:prstGeom>
               <a:blipFill>
-                <a:blip r:embed="rId2"/>
+                <a:blip r:embed="rId3"/>
                 <a:stretch>
                   <a:fillRect/>
                 </a:stretch>
@@ -23022,8 +23413,8 @@
           </a:p>
         </p:txBody>
       </p:sp>
-      <mc:AlternateContent xmlns:mc="http://schemas.openxmlformats.org/markup-compatibility/2006">
-        <mc:Choice xmlns:a14="http://schemas.microsoft.com/office/drawing/2010/main" Requires="a14">
+      <mc:AlternateContent xmlns:mc="http://schemas.openxmlformats.org/markup-compatibility/2006" xmlns:a14="http://schemas.microsoft.com/office/drawing/2010/main">
+        <mc:Choice Requires="a14">
           <p:sp>
             <p:nvSpPr>
               <p:cNvPr id="76" name="文本框 75"/>
@@ -23046,6 +23437,7 @@
               </a:bodyPr>
               <a:lstStyle/>
               <a:p>
+                <a:pPr/>
                 <a14:m>
                   <m:oMathPara xmlns:m="http://schemas.openxmlformats.org/officeDocument/2006/math">
                     <m:oMathParaPr>
@@ -23149,7 +23541,7 @@
             </p:txBody>
           </p:sp>
         </mc:Choice>
-        <mc:Fallback>
+        <mc:Fallback xmlns="">
           <p:sp>
             <p:nvSpPr>
               <p:cNvPr id="76" name="文本框 75"/>
@@ -23167,7 +23559,7 @@
                 <a:avLst/>
               </a:prstGeom>
               <a:blipFill>
-                <a:blip r:embed="rId3"/>
+                <a:blip r:embed="rId4"/>
                 <a:stretch>
                   <a:fillRect/>
                 </a:stretch>
@@ -23497,8 +23889,8 @@
           </a:graphicData>
         </a:graphic>
       </p:graphicFrame>
-      <mc:AlternateContent xmlns:mc="http://schemas.openxmlformats.org/markup-compatibility/2006">
-        <mc:Choice xmlns:a14="http://schemas.microsoft.com/office/drawing/2010/main" Requires="a14">
+      <mc:AlternateContent xmlns:mc="http://schemas.openxmlformats.org/markup-compatibility/2006" xmlns:a14="http://schemas.microsoft.com/office/drawing/2010/main">
+        <mc:Choice Requires="a14">
           <p:sp>
             <p:nvSpPr>
               <p:cNvPr id="4" name="矩形 3"/>
@@ -23520,6 +23912,7 @@
               </a:bodyPr>
               <a:lstStyle/>
               <a:p>
+                <a:pPr/>
                 <a14:m>
                   <m:oMathPara xmlns:m="http://schemas.openxmlformats.org/officeDocument/2006/math">
                     <m:oMathParaPr>
@@ -23556,7 +23949,7 @@
             </p:txBody>
           </p:sp>
         </mc:Choice>
-        <mc:Fallback>
+        <mc:Fallback xmlns="">
           <p:sp>
             <p:nvSpPr>
               <p:cNvPr id="4" name="矩形 3"/>
@@ -23574,7 +23967,7 @@
                 <a:avLst/>
               </a:prstGeom>
               <a:blipFill>
-                <a:blip r:embed="rId4"/>
+                <a:blip r:embed="rId5"/>
                 <a:stretch>
                   <a:fillRect t="-4255" r="-4688"/>
                 </a:stretch>
@@ -23595,8 +23988,8 @@
           </p:sp>
         </mc:Fallback>
       </mc:AlternateContent>
-      <mc:AlternateContent xmlns:mc="http://schemas.openxmlformats.org/markup-compatibility/2006">
-        <mc:Choice xmlns:a14="http://schemas.microsoft.com/office/drawing/2010/main" Requires="a14">
+      <mc:AlternateContent xmlns:mc="http://schemas.openxmlformats.org/markup-compatibility/2006" xmlns:a14="http://schemas.microsoft.com/office/drawing/2010/main">
+        <mc:Choice Requires="a14">
           <p:sp>
             <p:nvSpPr>
               <p:cNvPr id="81" name="矩形 80"/>
@@ -23618,6 +24011,7 @@
               </a:bodyPr>
               <a:lstStyle/>
               <a:p>
+                <a:pPr/>
                 <a14:m>
                   <m:oMathPara xmlns:m="http://schemas.openxmlformats.org/officeDocument/2006/math">
                     <m:oMathParaPr>
@@ -23966,7 +24360,7 @@
             </p:txBody>
           </p:sp>
         </mc:Choice>
-        <mc:Fallback>
+        <mc:Fallback xmlns="">
           <p:sp>
             <p:nvSpPr>
               <p:cNvPr id="81" name="矩形 80"/>
@@ -23984,7 +24378,7 @@
                 <a:avLst/>
               </a:prstGeom>
               <a:blipFill>
-                <a:blip r:embed="rId5"/>
+                <a:blip r:embed="rId6"/>
                 <a:stretch>
                   <a:fillRect t="-4255"/>
                 </a:stretch>
@@ -25121,6 +25515,63 @@
           </a:p>
         </p:txBody>
       </p:sp>
+      <p:graphicFrame>
+        <p:nvGraphicFramePr>
+          <p:cNvPr id="2" name="对象 1"/>
+          <p:cNvGraphicFramePr>
+            <a:graphicFrameLocks noChangeAspect="1"/>
+          </p:cNvGraphicFramePr>
+          <p:nvPr>
+            <p:extLst>
+              <p:ext uri="{D42A27DB-BD31-4B8C-83A1-F6EECF244321}">
+                <p14:modId xmlns:p14="http://schemas.microsoft.com/office/powerpoint/2010/main" val="4081352415"/>
+              </p:ext>
+            </p:extLst>
+          </p:nvPr>
+        </p:nvGraphicFramePr>
+        <p:xfrm>
+          <a:off x="5276850" y="2652713"/>
+          <a:ext cx="215900" cy="228600"/>
+        </p:xfrm>
+        <a:graphic>
+          <a:graphicData uri="http://schemas.openxmlformats.org/presentationml/2006/ole">
+            <mc:AlternateContent xmlns:mc="http://schemas.openxmlformats.org/markup-compatibility/2006">
+              <mc:Choice xmlns:v="urn:schemas-microsoft-com:vml" Requires="v">
+                <p:oleObj spid="_x0000_s1031" name="Equation" r:id="rId7" imgW="215640" imgH="228600" progId="Equation.DSMT4">
+                  <p:embed/>
+                </p:oleObj>
+              </mc:Choice>
+              <mc:Fallback>
+                <p:oleObj name="Equation" r:id="rId7" imgW="215640" imgH="228600" progId="Equation.DSMT4">
+                  <p:embed/>
+                  <p:pic>
+                    <p:nvPicPr>
+                      <p:cNvPr id="0" name=""/>
+                      <p:cNvPicPr/>
+                      <p:nvPr/>
+                    </p:nvPicPr>
+                    <p:blipFill>
+                      <a:blip r:embed="rId8"/>
+                      <a:stretch>
+                        <a:fillRect/>
+                      </a:stretch>
+                    </p:blipFill>
+                    <p:spPr>
+                      <a:xfrm>
+                        <a:off x="5276850" y="2652713"/>
+                        <a:ext cx="215900" cy="228600"/>
+                      </a:xfrm>
+                      <a:prstGeom prst="rect">
+                        <a:avLst/>
+                      </a:prstGeom>
+                    </p:spPr>
+                  </p:pic>
+                </p:oleObj>
+              </mc:Fallback>
+            </mc:AlternateContent>
+          </a:graphicData>
+        </a:graphic>
+      </p:graphicFrame>
     </p:spTree>
     <p:extLst>
       <p:ext uri="{BB962C8B-B14F-4D97-AF65-F5344CB8AC3E}">
@@ -25151,6 +25602,2335 @@
           <a:chExt cx="0" cy="0"/>
         </a:xfrm>
       </p:grpSpPr>
+      <p:cxnSp>
+        <p:nvCxnSpPr>
+          <p:cNvPr id="2" name="直接箭头连接符 1"/>
+          <p:cNvCxnSpPr/>
+          <p:nvPr/>
+        </p:nvCxnSpPr>
+        <p:spPr>
+          <a:xfrm flipV="1">
+            <a:off x="1017887" y="2306627"/>
+            <a:ext cx="0" cy="247650"/>
+          </a:xfrm>
+          <a:prstGeom prst="straightConnector1">
+            <a:avLst/>
+          </a:prstGeom>
+          <a:ln w="25400">
+            <a:solidFill>
+              <a:schemeClr val="tx1"/>
+            </a:solidFill>
+            <a:tailEnd type="triangle"/>
+          </a:ln>
+        </p:spPr>
+        <p:style>
+          <a:lnRef idx="1">
+            <a:schemeClr val="accent1"/>
+          </a:lnRef>
+          <a:fillRef idx="0">
+            <a:schemeClr val="accent1"/>
+          </a:fillRef>
+          <a:effectRef idx="0">
+            <a:schemeClr val="accent1"/>
+          </a:effectRef>
+          <a:fontRef idx="minor">
+            <a:schemeClr val="tx1"/>
+          </a:fontRef>
+        </p:style>
+      </p:cxnSp>
+      <p:sp>
+        <p:nvSpPr>
+          <p:cNvPr id="4" name="文本框 3"/>
+          <p:cNvSpPr txBox="1"/>
+          <p:nvPr/>
+        </p:nvSpPr>
+        <p:spPr>
+          <a:xfrm>
+            <a:off x="874916" y="2484357"/>
+            <a:ext cx="285941" cy="276999"/>
+          </a:xfrm>
+          <a:prstGeom prst="rect">
+            <a:avLst/>
+          </a:prstGeom>
+          <a:noFill/>
+        </p:spPr>
+        <p:txBody>
+          <a:bodyPr wrap="square" rtlCol="0">
+            <a:spAutoFit/>
+          </a:bodyPr>
+          <a:lstStyle/>
+          <a:p>
+            <a:r>
+              <a:rPr lang="en-US" altLang="zh-CN" sz="1200" b="1" i="1" smtClean="0">
+                <a:latin typeface="Times New Roman" panose="02020603050405020304" pitchFamily="18" charset="0"/>
+                <a:ea typeface="微软雅黑" panose="020B0503020204020204" pitchFamily="34" charset="-122"/>
+                <a:cs typeface="Times New Roman" panose="02020603050405020304" pitchFamily="18" charset="0"/>
+              </a:rPr>
+              <a:t>x</a:t>
+            </a:r>
+            <a:endParaRPr lang="en-US" altLang="zh-CN" sz="1200" b="1" i="1" baseline="-25000" smtClean="0">
+              <a:latin typeface="Times New Roman" panose="02020603050405020304" pitchFamily="18" charset="0"/>
+              <a:ea typeface="微软雅黑" panose="020B0503020204020204" pitchFamily="34" charset="-122"/>
+              <a:cs typeface="Times New Roman" panose="02020603050405020304" pitchFamily="18" charset="0"/>
+            </a:endParaRPr>
+          </a:p>
+        </p:txBody>
+      </p:sp>
+      <p:sp>
+        <p:nvSpPr>
+          <p:cNvPr id="5" name="圆角矩形 4"/>
+          <p:cNvSpPr/>
+          <p:nvPr/>
+        </p:nvSpPr>
+        <p:spPr>
+          <a:xfrm>
+            <a:off x="865326" y="1990397"/>
+            <a:ext cx="281784" cy="316230"/>
+          </a:xfrm>
+          <a:prstGeom prst="roundRect">
+            <a:avLst/>
+          </a:prstGeom>
+          <a:noFill/>
+          <a:ln w="25400">
+            <a:solidFill>
+              <a:schemeClr val="tx1"/>
+            </a:solidFill>
+          </a:ln>
+        </p:spPr>
+        <p:style>
+          <a:lnRef idx="2">
+            <a:schemeClr val="accent1">
+              <a:shade val="50000"/>
+            </a:schemeClr>
+          </a:lnRef>
+          <a:fillRef idx="1">
+            <a:schemeClr val="accent1"/>
+          </a:fillRef>
+          <a:effectRef idx="0">
+            <a:schemeClr val="accent1"/>
+          </a:effectRef>
+          <a:fontRef idx="minor">
+            <a:schemeClr val="lt1"/>
+          </a:fontRef>
+        </p:style>
+        <p:txBody>
+          <a:bodyPr lIns="0" tIns="0" rIns="0" bIns="0" rtlCol="0" anchor="t" anchorCtr="0"/>
+          <a:lstStyle/>
+          <a:p>
+            <a:pPr algn="ctr"/>
+            <a:r>
+              <a:rPr lang="en-US" altLang="zh-CN" i="1" smtClean="0">
+                <a:solidFill>
+                  <a:schemeClr val="accent1"/>
+                </a:solidFill>
+                <a:latin typeface="Times New Roman" panose="02020603050405020304" pitchFamily="18" charset="0"/>
+                <a:cs typeface="Times New Roman" panose="02020603050405020304" pitchFamily="18" charset="0"/>
+              </a:rPr>
+              <a:t>g</a:t>
+            </a:r>
+            <a:endParaRPr lang="zh-CN" altLang="en-US" i="1">
+              <a:solidFill>
+                <a:schemeClr val="accent1"/>
+              </a:solidFill>
+              <a:latin typeface="Times New Roman" panose="02020603050405020304" pitchFamily="18" charset="0"/>
+              <a:cs typeface="Times New Roman" panose="02020603050405020304" pitchFamily="18" charset="0"/>
+            </a:endParaRPr>
+          </a:p>
+        </p:txBody>
+      </p:sp>
+      <p:cxnSp>
+        <p:nvCxnSpPr>
+          <p:cNvPr id="6" name="直接箭头连接符 5"/>
+          <p:cNvCxnSpPr/>
+          <p:nvPr/>
+        </p:nvCxnSpPr>
+        <p:spPr>
+          <a:xfrm flipV="1">
+            <a:off x="1017887" y="1716077"/>
+            <a:ext cx="0" cy="274320"/>
+          </a:xfrm>
+          <a:prstGeom prst="straightConnector1">
+            <a:avLst/>
+          </a:prstGeom>
+          <a:ln w="25400">
+            <a:solidFill>
+              <a:schemeClr val="tx1"/>
+            </a:solidFill>
+            <a:tailEnd type="triangle"/>
+          </a:ln>
+        </p:spPr>
+        <p:style>
+          <a:lnRef idx="1">
+            <a:schemeClr val="accent1"/>
+          </a:lnRef>
+          <a:fillRef idx="0">
+            <a:schemeClr val="accent1"/>
+          </a:fillRef>
+          <a:effectRef idx="0">
+            <a:schemeClr val="accent1"/>
+          </a:effectRef>
+          <a:fontRef idx="minor">
+            <a:schemeClr val="tx1"/>
+          </a:fontRef>
+        </p:style>
+      </p:cxnSp>
+      <p:sp>
+        <p:nvSpPr>
+          <p:cNvPr id="10" name="文本框 9"/>
+          <p:cNvSpPr txBox="1"/>
+          <p:nvPr/>
+        </p:nvSpPr>
+        <p:spPr>
+          <a:xfrm>
+            <a:off x="1132070" y="2022403"/>
+            <a:ext cx="813354" cy="276999"/>
+          </a:xfrm>
+          <a:prstGeom prst="rect">
+            <a:avLst/>
+          </a:prstGeom>
+          <a:noFill/>
+        </p:spPr>
+        <p:txBody>
+          <a:bodyPr wrap="square" rtlCol="0">
+            <a:spAutoFit/>
+          </a:bodyPr>
+          <a:lstStyle/>
+          <a:p>
+            <a:r>
+              <a:rPr lang="en-US" altLang="zh-CN" sz="1200" b="1" i="1" smtClean="0">
+                <a:solidFill>
+                  <a:schemeClr val="accent1"/>
+                </a:solidFill>
+                <a:latin typeface="Times New Roman" panose="02020603050405020304" pitchFamily="18" charset="0"/>
+                <a:ea typeface="微软雅黑" panose="020B0503020204020204" pitchFamily="34" charset="-122"/>
+                <a:cs typeface="Times New Roman" panose="02020603050405020304" pitchFamily="18" charset="0"/>
+              </a:rPr>
+              <a:t>W</a:t>
+            </a:r>
+            <a:r>
+              <a:rPr lang="en-US" altLang="zh-CN" sz="1200" b="1" i="1" baseline="-25000" smtClean="0">
+                <a:solidFill>
+                  <a:schemeClr val="accent1"/>
+                </a:solidFill>
+                <a:latin typeface="Times New Roman" panose="02020603050405020304" pitchFamily="18" charset="0"/>
+                <a:ea typeface="微软雅黑" panose="020B0503020204020204" pitchFamily="34" charset="-122"/>
+                <a:cs typeface="Times New Roman" panose="02020603050405020304" pitchFamily="18" charset="0"/>
+              </a:rPr>
+              <a:t>g</a:t>
+            </a:r>
+            <a:r>
+              <a:rPr lang="en-US" altLang="zh-CN" sz="1200" b="1" i="1" smtClean="0">
+                <a:solidFill>
+                  <a:schemeClr val="accent1"/>
+                </a:solidFill>
+                <a:latin typeface="Times New Roman" panose="02020603050405020304" pitchFamily="18" charset="0"/>
+                <a:ea typeface="微软雅黑" panose="020B0503020204020204" pitchFamily="34" charset="-122"/>
+                <a:cs typeface="Times New Roman" panose="02020603050405020304" pitchFamily="18" charset="0"/>
+              </a:rPr>
+              <a:t> b</a:t>
+            </a:r>
+            <a:r>
+              <a:rPr lang="en-US" altLang="zh-CN" sz="1200" b="1" i="1" baseline="-25000" smtClean="0">
+                <a:solidFill>
+                  <a:schemeClr val="accent1"/>
+                </a:solidFill>
+                <a:latin typeface="Times New Roman" panose="02020603050405020304" pitchFamily="18" charset="0"/>
+                <a:ea typeface="微软雅黑" panose="020B0503020204020204" pitchFamily="34" charset="-122"/>
+                <a:cs typeface="Times New Roman" panose="02020603050405020304" pitchFamily="18" charset="0"/>
+              </a:rPr>
+              <a:t>g</a:t>
+            </a:r>
+            <a:endParaRPr lang="en-US" altLang="zh-CN" sz="1200" b="1" i="1" baseline="-25000" smtClean="0">
+              <a:solidFill>
+                <a:schemeClr val="accent1"/>
+              </a:solidFill>
+              <a:latin typeface="Times New Roman" panose="02020603050405020304" pitchFamily="18" charset="0"/>
+              <a:ea typeface="微软雅黑" panose="020B0503020204020204" pitchFamily="34" charset="-122"/>
+              <a:cs typeface="Times New Roman" panose="02020603050405020304" pitchFamily="18" charset="0"/>
+            </a:endParaRPr>
+          </a:p>
+        </p:txBody>
+      </p:sp>
+      <p:sp>
+        <p:nvSpPr>
+          <p:cNvPr id="11" name="文本框 10"/>
+          <p:cNvSpPr txBox="1"/>
+          <p:nvPr/>
+        </p:nvSpPr>
+        <p:spPr>
+          <a:xfrm>
+            <a:off x="913016" y="1420699"/>
+            <a:ext cx="285941" cy="276999"/>
+          </a:xfrm>
+          <a:prstGeom prst="rect">
+            <a:avLst/>
+          </a:prstGeom>
+          <a:noFill/>
+        </p:spPr>
+        <p:txBody>
+          <a:bodyPr wrap="square" rtlCol="0">
+            <a:spAutoFit/>
+          </a:bodyPr>
+          <a:lstStyle/>
+          <a:p>
+            <a:r>
+              <a:rPr lang="en-US" altLang="zh-CN" sz="1200" b="1" i="1" smtClean="0">
+                <a:latin typeface="Times New Roman" panose="02020603050405020304" pitchFamily="18" charset="0"/>
+                <a:ea typeface="微软雅黑" panose="020B0503020204020204" pitchFamily="34" charset="-122"/>
+                <a:cs typeface="Times New Roman" panose="02020603050405020304" pitchFamily="18" charset="0"/>
+              </a:rPr>
+              <a:t>y</a:t>
+            </a:r>
+            <a:endParaRPr lang="en-US" altLang="zh-CN" sz="1200" b="1" i="1" baseline="-25000" smtClean="0">
+              <a:latin typeface="Times New Roman" panose="02020603050405020304" pitchFamily="18" charset="0"/>
+              <a:ea typeface="微软雅黑" panose="020B0503020204020204" pitchFamily="34" charset="-122"/>
+              <a:cs typeface="Times New Roman" panose="02020603050405020304" pitchFamily="18" charset="0"/>
+            </a:endParaRPr>
+          </a:p>
+        </p:txBody>
+      </p:sp>
+      <p:graphicFrame>
+        <p:nvGraphicFramePr>
+          <p:cNvPr id="12" name="对象 11"/>
+          <p:cNvGraphicFramePr>
+            <a:graphicFrameLocks noChangeAspect="1"/>
+          </p:cNvGraphicFramePr>
+          <p:nvPr>
+            <p:extLst>
+              <p:ext uri="{D42A27DB-BD31-4B8C-83A1-F6EECF244321}">
+                <p14:modId xmlns:p14="http://schemas.microsoft.com/office/powerpoint/2010/main" val="742912708"/>
+              </p:ext>
+            </p:extLst>
+          </p:nvPr>
+        </p:nvGraphicFramePr>
+        <p:xfrm>
+          <a:off x="5327650" y="2676525"/>
+          <a:ext cx="114300" cy="177800"/>
+        </p:xfrm>
+        <a:graphic>
+          <a:graphicData uri="http://schemas.openxmlformats.org/presentationml/2006/ole">
+            <mc:AlternateContent xmlns:mc="http://schemas.openxmlformats.org/markup-compatibility/2006">
+              <mc:Choice xmlns:v="urn:schemas-microsoft-com:vml" Requires="v">
+                <p:oleObj spid="_x0000_s2060" name="Equation" r:id="rId4" imgW="114120" imgH="177480" progId="Equation.DSMT4">
+                  <p:embed/>
+                </p:oleObj>
+              </mc:Choice>
+              <mc:Fallback>
+                <p:oleObj name="Equation" r:id="rId4" imgW="114120" imgH="177480" progId="Equation.DSMT4">
+                  <p:embed/>
+                  <p:pic>
+                    <p:nvPicPr>
+                      <p:cNvPr id="0" name=""/>
+                      <p:cNvPicPr/>
+                      <p:nvPr/>
+                    </p:nvPicPr>
+                    <p:blipFill>
+                      <a:blip r:embed="rId5"/>
+                      <a:stretch>
+                        <a:fillRect/>
+                      </a:stretch>
+                    </p:blipFill>
+                    <p:spPr>
+                      <a:xfrm>
+                        <a:off x="5327650" y="2676525"/>
+                        <a:ext cx="114300" cy="177800"/>
+                      </a:xfrm>
+                      <a:prstGeom prst="rect">
+                        <a:avLst/>
+                      </a:prstGeom>
+                    </p:spPr>
+                  </p:pic>
+                </p:oleObj>
+              </mc:Fallback>
+            </mc:AlternateContent>
+          </a:graphicData>
+        </a:graphic>
+      </p:graphicFrame>
+      <p:graphicFrame>
+        <p:nvGraphicFramePr>
+          <p:cNvPr id="13" name="对象 12"/>
+          <p:cNvGraphicFramePr>
+            <a:graphicFrameLocks noChangeAspect="1"/>
+          </p:cNvGraphicFramePr>
+          <p:nvPr>
+            <p:extLst>
+              <p:ext uri="{D42A27DB-BD31-4B8C-83A1-F6EECF244321}">
+                <p14:modId xmlns:p14="http://schemas.microsoft.com/office/powerpoint/2010/main" val="1706329313"/>
+              </p:ext>
+            </p:extLst>
+          </p:nvPr>
+        </p:nvGraphicFramePr>
+        <p:xfrm>
+          <a:off x="5327650" y="2676525"/>
+          <a:ext cx="114300" cy="177800"/>
+        </p:xfrm>
+        <a:graphic>
+          <a:graphicData uri="http://schemas.openxmlformats.org/presentationml/2006/ole">
+            <mc:AlternateContent xmlns:mc="http://schemas.openxmlformats.org/markup-compatibility/2006">
+              <mc:Choice xmlns:v="urn:schemas-microsoft-com:vml" Requires="v">
+                <p:oleObj spid="_x0000_s2061" name="Equation" r:id="rId6" imgW="114120" imgH="177480" progId="Equation.DSMT4">
+                  <p:embed/>
+                </p:oleObj>
+              </mc:Choice>
+              <mc:Fallback>
+                <p:oleObj name="Equation" r:id="rId6" imgW="114120" imgH="177480" progId="Equation.DSMT4">
+                  <p:embed/>
+                  <p:pic>
+                    <p:nvPicPr>
+                      <p:cNvPr id="0" name=""/>
+                      <p:cNvPicPr/>
+                      <p:nvPr/>
+                    </p:nvPicPr>
+                    <p:blipFill>
+                      <a:blip r:embed="rId5"/>
+                      <a:stretch>
+                        <a:fillRect/>
+                      </a:stretch>
+                    </p:blipFill>
+                    <p:spPr>
+                      <a:xfrm>
+                        <a:off x="5327650" y="2676525"/>
+                        <a:ext cx="114300" cy="177800"/>
+                      </a:xfrm>
+                      <a:prstGeom prst="rect">
+                        <a:avLst/>
+                      </a:prstGeom>
+                    </p:spPr>
+                  </p:pic>
+                </p:oleObj>
+              </mc:Fallback>
+            </mc:AlternateContent>
+          </a:graphicData>
+        </a:graphic>
+      </p:graphicFrame>
+      <p:cxnSp>
+        <p:nvCxnSpPr>
+          <p:cNvPr id="15" name="直接箭头连接符 14"/>
+          <p:cNvCxnSpPr/>
+          <p:nvPr/>
+        </p:nvCxnSpPr>
+        <p:spPr>
+          <a:xfrm flipV="1">
+            <a:off x="2502236" y="2834829"/>
+            <a:ext cx="0" cy="344805"/>
+          </a:xfrm>
+          <a:prstGeom prst="straightConnector1">
+            <a:avLst/>
+          </a:prstGeom>
+          <a:ln w="25400">
+            <a:solidFill>
+              <a:schemeClr val="tx1"/>
+            </a:solidFill>
+            <a:tailEnd type="triangle"/>
+          </a:ln>
+        </p:spPr>
+        <p:style>
+          <a:lnRef idx="1">
+            <a:schemeClr val="accent1"/>
+          </a:lnRef>
+          <a:fillRef idx="0">
+            <a:schemeClr val="accent1"/>
+          </a:fillRef>
+          <a:effectRef idx="0">
+            <a:schemeClr val="accent1"/>
+          </a:effectRef>
+          <a:fontRef idx="minor">
+            <a:schemeClr val="tx1"/>
+          </a:fontRef>
+        </p:style>
+      </p:cxnSp>
+      <p:sp>
+        <p:nvSpPr>
+          <p:cNvPr id="16" name="文本框 15"/>
+          <p:cNvSpPr txBox="1"/>
+          <p:nvPr/>
+        </p:nvSpPr>
+        <p:spPr>
+          <a:xfrm>
+            <a:off x="2358162" y="3158045"/>
+            <a:ext cx="285941" cy="276999"/>
+          </a:xfrm>
+          <a:prstGeom prst="rect">
+            <a:avLst/>
+          </a:prstGeom>
+          <a:noFill/>
+        </p:spPr>
+        <p:txBody>
+          <a:bodyPr wrap="square" rtlCol="0">
+            <a:spAutoFit/>
+          </a:bodyPr>
+          <a:lstStyle/>
+          <a:p>
+            <a:r>
+              <a:rPr lang="en-US" altLang="zh-CN" sz="1200" b="1" i="1" smtClean="0">
+                <a:latin typeface="Times New Roman" panose="02020603050405020304" pitchFamily="18" charset="0"/>
+                <a:ea typeface="微软雅黑" panose="020B0503020204020204" pitchFamily="34" charset="-122"/>
+                <a:cs typeface="Times New Roman" panose="02020603050405020304" pitchFamily="18" charset="0"/>
+              </a:rPr>
+              <a:t>x</a:t>
+            </a:r>
+            <a:endParaRPr lang="en-US" altLang="zh-CN" sz="1200" b="1" i="1" baseline="-25000" smtClean="0">
+              <a:latin typeface="Times New Roman" panose="02020603050405020304" pitchFamily="18" charset="0"/>
+              <a:ea typeface="微软雅黑" panose="020B0503020204020204" pitchFamily="34" charset="-122"/>
+              <a:cs typeface="Times New Roman" panose="02020603050405020304" pitchFamily="18" charset="0"/>
+            </a:endParaRPr>
+          </a:p>
+        </p:txBody>
+      </p:sp>
+      <p:sp>
+        <p:nvSpPr>
+          <p:cNvPr id="17" name="圆角矩形 16"/>
+          <p:cNvSpPr/>
+          <p:nvPr/>
+        </p:nvSpPr>
+        <p:spPr>
+          <a:xfrm>
+            <a:off x="1841525" y="2535099"/>
+            <a:ext cx="295402" cy="310869"/>
+          </a:xfrm>
+          <a:prstGeom prst="roundRect">
+            <a:avLst/>
+          </a:prstGeom>
+          <a:noFill/>
+          <a:ln w="25400">
+            <a:solidFill>
+              <a:schemeClr val="tx1"/>
+            </a:solidFill>
+          </a:ln>
+        </p:spPr>
+        <p:style>
+          <a:lnRef idx="2">
+            <a:schemeClr val="accent1">
+              <a:shade val="50000"/>
+            </a:schemeClr>
+          </a:lnRef>
+          <a:fillRef idx="1">
+            <a:schemeClr val="accent1"/>
+          </a:fillRef>
+          <a:effectRef idx="0">
+            <a:schemeClr val="accent1"/>
+          </a:effectRef>
+          <a:fontRef idx="minor">
+            <a:schemeClr val="lt1"/>
+          </a:fontRef>
+        </p:style>
+        <p:txBody>
+          <a:bodyPr lIns="0" tIns="0" rIns="0" bIns="0" rtlCol="0" anchor="t" anchorCtr="0"/>
+          <a:lstStyle/>
+          <a:p>
+            <a:pPr algn="ctr"/>
+            <a:r>
+              <a:rPr lang="en-US" altLang="zh-CN" i="1" smtClean="0">
+                <a:solidFill>
+                  <a:schemeClr val="accent1"/>
+                </a:solidFill>
+                <a:latin typeface="Times New Roman" panose="02020603050405020304" pitchFamily="18" charset="0"/>
+                <a:cs typeface="Times New Roman" panose="02020603050405020304" pitchFamily="18" charset="0"/>
+              </a:rPr>
+              <a:t>g</a:t>
+            </a:r>
+            <a:endParaRPr lang="zh-CN" altLang="en-US" i="1">
+              <a:solidFill>
+                <a:schemeClr val="accent1"/>
+              </a:solidFill>
+              <a:latin typeface="Times New Roman" panose="02020603050405020304" pitchFamily="18" charset="0"/>
+              <a:cs typeface="Times New Roman" panose="02020603050405020304" pitchFamily="18" charset="0"/>
+            </a:endParaRPr>
+          </a:p>
+        </p:txBody>
+      </p:sp>
+      <p:cxnSp>
+        <p:nvCxnSpPr>
+          <p:cNvPr id="18" name="直接箭头连接符 17"/>
+          <p:cNvCxnSpPr/>
+          <p:nvPr/>
+        </p:nvCxnSpPr>
+        <p:spPr>
+          <a:xfrm flipH="1" flipV="1">
+            <a:off x="2500735" y="2073844"/>
+            <a:ext cx="1501" cy="444758"/>
+          </a:xfrm>
+          <a:prstGeom prst="straightConnector1">
+            <a:avLst/>
+          </a:prstGeom>
+          <a:ln w="25400">
+            <a:solidFill>
+              <a:schemeClr val="tx1"/>
+            </a:solidFill>
+            <a:tailEnd type="triangle"/>
+          </a:ln>
+        </p:spPr>
+        <p:style>
+          <a:lnRef idx="1">
+            <a:schemeClr val="accent1"/>
+          </a:lnRef>
+          <a:fillRef idx="0">
+            <a:schemeClr val="accent1"/>
+          </a:fillRef>
+          <a:effectRef idx="0">
+            <a:schemeClr val="accent1"/>
+          </a:effectRef>
+          <a:fontRef idx="minor">
+            <a:schemeClr val="tx1"/>
+          </a:fontRef>
+        </p:style>
+      </p:cxnSp>
+      <p:grpSp>
+        <p:nvGrpSpPr>
+          <p:cNvPr id="25" name="组合 24"/>
+          <p:cNvGrpSpPr/>
+          <p:nvPr/>
+        </p:nvGrpSpPr>
+        <p:grpSpPr>
+          <a:xfrm>
+            <a:off x="1812804" y="2037699"/>
+            <a:ext cx="338260" cy="356508"/>
+            <a:chOff x="3419991" y="1996064"/>
+            <a:chExt cx="338260" cy="356508"/>
+          </a:xfrm>
+        </p:grpSpPr>
+        <p:sp>
+          <p:nvSpPr>
+            <p:cNvPr id="21" name="椭圆 20"/>
+            <p:cNvSpPr/>
+            <p:nvPr/>
+          </p:nvSpPr>
+          <p:spPr>
+            <a:xfrm>
+              <a:off x="3471209" y="2056406"/>
+              <a:ext cx="235824" cy="235824"/>
+            </a:xfrm>
+            <a:prstGeom prst="ellipse">
+              <a:avLst/>
+            </a:prstGeom>
+            <a:noFill/>
+            <a:ln w="25400">
+              <a:solidFill>
+                <a:schemeClr val="tx1"/>
+              </a:solidFill>
+            </a:ln>
+          </p:spPr>
+          <p:style>
+            <a:lnRef idx="2">
+              <a:schemeClr val="accent1">
+                <a:shade val="50000"/>
+              </a:schemeClr>
+            </a:lnRef>
+            <a:fillRef idx="1">
+              <a:schemeClr val="accent1"/>
+            </a:fillRef>
+            <a:effectRef idx="0">
+              <a:schemeClr val="accent1"/>
+            </a:effectRef>
+            <a:fontRef idx="minor">
+              <a:schemeClr val="lt1"/>
+            </a:fontRef>
+          </p:style>
+          <p:txBody>
+            <a:bodyPr rtlCol="0" anchor="ctr"/>
+            <a:lstStyle/>
+            <a:p>
+              <a:pPr algn="ctr"/>
+              <a:endParaRPr lang="zh-CN" altLang="en-US"/>
+            </a:p>
+          </p:txBody>
+        </p:sp>
+        <p:sp>
+          <p:nvSpPr>
+            <p:cNvPr id="24" name="乘号 23"/>
+            <p:cNvSpPr/>
+            <p:nvPr/>
+          </p:nvSpPr>
+          <p:spPr>
+            <a:xfrm>
+              <a:off x="3419991" y="1996064"/>
+              <a:ext cx="338260" cy="356508"/>
+            </a:xfrm>
+            <a:prstGeom prst="mathMultiply">
+              <a:avLst>
+                <a:gd name="adj1" fmla="val 6883"/>
+              </a:avLst>
+            </a:prstGeom>
+            <a:solidFill>
+              <a:schemeClr val="tx1"/>
+            </a:solidFill>
+            <a:ln>
+              <a:noFill/>
+            </a:ln>
+          </p:spPr>
+          <p:style>
+            <a:lnRef idx="2">
+              <a:schemeClr val="accent1">
+                <a:shade val="50000"/>
+              </a:schemeClr>
+            </a:lnRef>
+            <a:fillRef idx="1">
+              <a:schemeClr val="accent1"/>
+            </a:fillRef>
+            <a:effectRef idx="0">
+              <a:schemeClr val="accent1"/>
+            </a:effectRef>
+            <a:fontRef idx="minor">
+              <a:schemeClr val="lt1"/>
+            </a:fontRef>
+          </p:style>
+          <p:txBody>
+            <a:bodyPr rtlCol="0" anchor="ctr"/>
+            <a:lstStyle/>
+            <a:p>
+              <a:pPr algn="ctr"/>
+              <a:endParaRPr lang="zh-CN" altLang="en-US"/>
+            </a:p>
+          </p:txBody>
+        </p:sp>
+      </p:grpSp>
+      <p:sp>
+        <p:nvSpPr>
+          <p:cNvPr id="26" name="圆角矩形 25"/>
+          <p:cNvSpPr/>
+          <p:nvPr/>
+        </p:nvSpPr>
+        <p:spPr>
+          <a:xfrm flipH="1">
+            <a:off x="1984075" y="2834829"/>
+            <a:ext cx="518158" cy="245745"/>
+          </a:xfrm>
+          <a:custGeom>
+            <a:avLst/>
+            <a:gdLst>
+              <a:gd name="connsiteX0" fmla="*/ 0 w 636270"/>
+              <a:gd name="connsiteY0" fmla="*/ 52706 h 316230"/>
+              <a:gd name="connsiteX1" fmla="*/ 52706 w 636270"/>
+              <a:gd name="connsiteY1" fmla="*/ 0 h 316230"/>
+              <a:gd name="connsiteX2" fmla="*/ 583564 w 636270"/>
+              <a:gd name="connsiteY2" fmla="*/ 0 h 316230"/>
+              <a:gd name="connsiteX3" fmla="*/ 636270 w 636270"/>
+              <a:gd name="connsiteY3" fmla="*/ 52706 h 316230"/>
+              <a:gd name="connsiteX4" fmla="*/ 636270 w 636270"/>
+              <a:gd name="connsiteY4" fmla="*/ 263524 h 316230"/>
+              <a:gd name="connsiteX5" fmla="*/ 583564 w 636270"/>
+              <a:gd name="connsiteY5" fmla="*/ 316230 h 316230"/>
+              <a:gd name="connsiteX6" fmla="*/ 52706 w 636270"/>
+              <a:gd name="connsiteY6" fmla="*/ 316230 h 316230"/>
+              <a:gd name="connsiteX7" fmla="*/ 0 w 636270"/>
+              <a:gd name="connsiteY7" fmla="*/ 263524 h 316230"/>
+              <a:gd name="connsiteX8" fmla="*/ 0 w 636270"/>
+              <a:gd name="connsiteY8" fmla="*/ 52706 h 316230"/>
+              <a:gd name="connsiteX0" fmla="*/ 52706 w 636270"/>
+              <a:gd name="connsiteY0" fmla="*/ 0 h 316230"/>
+              <a:gd name="connsiteX1" fmla="*/ 583564 w 636270"/>
+              <a:gd name="connsiteY1" fmla="*/ 0 h 316230"/>
+              <a:gd name="connsiteX2" fmla="*/ 636270 w 636270"/>
+              <a:gd name="connsiteY2" fmla="*/ 52706 h 316230"/>
+              <a:gd name="connsiteX3" fmla="*/ 636270 w 636270"/>
+              <a:gd name="connsiteY3" fmla="*/ 263524 h 316230"/>
+              <a:gd name="connsiteX4" fmla="*/ 583564 w 636270"/>
+              <a:gd name="connsiteY4" fmla="*/ 316230 h 316230"/>
+              <a:gd name="connsiteX5" fmla="*/ 52706 w 636270"/>
+              <a:gd name="connsiteY5" fmla="*/ 316230 h 316230"/>
+              <a:gd name="connsiteX6" fmla="*/ 0 w 636270"/>
+              <a:gd name="connsiteY6" fmla="*/ 263524 h 316230"/>
+              <a:gd name="connsiteX7" fmla="*/ 0 w 636270"/>
+              <a:gd name="connsiteY7" fmla="*/ 52706 h 316230"/>
+              <a:gd name="connsiteX8" fmla="*/ 144146 w 636270"/>
+              <a:gd name="connsiteY8" fmla="*/ 91440 h 316230"/>
+              <a:gd name="connsiteX0" fmla="*/ 52706 w 636270"/>
+              <a:gd name="connsiteY0" fmla="*/ 0 h 316230"/>
+              <a:gd name="connsiteX1" fmla="*/ 583564 w 636270"/>
+              <a:gd name="connsiteY1" fmla="*/ 0 h 316230"/>
+              <a:gd name="connsiteX2" fmla="*/ 636270 w 636270"/>
+              <a:gd name="connsiteY2" fmla="*/ 52706 h 316230"/>
+              <a:gd name="connsiteX3" fmla="*/ 636270 w 636270"/>
+              <a:gd name="connsiteY3" fmla="*/ 263524 h 316230"/>
+              <a:gd name="connsiteX4" fmla="*/ 583564 w 636270"/>
+              <a:gd name="connsiteY4" fmla="*/ 316230 h 316230"/>
+              <a:gd name="connsiteX5" fmla="*/ 52706 w 636270"/>
+              <a:gd name="connsiteY5" fmla="*/ 316230 h 316230"/>
+              <a:gd name="connsiteX6" fmla="*/ 0 w 636270"/>
+              <a:gd name="connsiteY6" fmla="*/ 263524 h 316230"/>
+              <a:gd name="connsiteX7" fmla="*/ 0 w 636270"/>
+              <a:gd name="connsiteY7" fmla="*/ 52706 h 316230"/>
+              <a:gd name="connsiteX0" fmla="*/ 52706 w 636270"/>
+              <a:gd name="connsiteY0" fmla="*/ 0 h 316230"/>
+              <a:gd name="connsiteX1" fmla="*/ 583564 w 636270"/>
+              <a:gd name="connsiteY1" fmla="*/ 0 h 316230"/>
+              <a:gd name="connsiteX2" fmla="*/ 636270 w 636270"/>
+              <a:gd name="connsiteY2" fmla="*/ 52706 h 316230"/>
+              <a:gd name="connsiteX3" fmla="*/ 636270 w 636270"/>
+              <a:gd name="connsiteY3" fmla="*/ 263524 h 316230"/>
+              <a:gd name="connsiteX4" fmla="*/ 583564 w 636270"/>
+              <a:gd name="connsiteY4" fmla="*/ 316230 h 316230"/>
+              <a:gd name="connsiteX5" fmla="*/ 52706 w 636270"/>
+              <a:gd name="connsiteY5" fmla="*/ 316230 h 316230"/>
+              <a:gd name="connsiteX6" fmla="*/ 0 w 636270"/>
+              <a:gd name="connsiteY6" fmla="*/ 263524 h 316230"/>
+              <a:gd name="connsiteX0" fmla="*/ 0 w 583564"/>
+              <a:gd name="connsiteY0" fmla="*/ 0 h 316230"/>
+              <a:gd name="connsiteX1" fmla="*/ 530858 w 583564"/>
+              <a:gd name="connsiteY1" fmla="*/ 0 h 316230"/>
+              <a:gd name="connsiteX2" fmla="*/ 583564 w 583564"/>
+              <a:gd name="connsiteY2" fmla="*/ 52706 h 316230"/>
+              <a:gd name="connsiteX3" fmla="*/ 583564 w 583564"/>
+              <a:gd name="connsiteY3" fmla="*/ 263524 h 316230"/>
+              <a:gd name="connsiteX4" fmla="*/ 530858 w 583564"/>
+              <a:gd name="connsiteY4" fmla="*/ 316230 h 316230"/>
+              <a:gd name="connsiteX5" fmla="*/ 0 w 583564"/>
+              <a:gd name="connsiteY5" fmla="*/ 316230 h 316230"/>
+              <a:gd name="connsiteX0" fmla="*/ 530858 w 583564"/>
+              <a:gd name="connsiteY0" fmla="*/ 0 h 316230"/>
+              <a:gd name="connsiteX1" fmla="*/ 583564 w 583564"/>
+              <a:gd name="connsiteY1" fmla="*/ 52706 h 316230"/>
+              <a:gd name="connsiteX2" fmla="*/ 583564 w 583564"/>
+              <a:gd name="connsiteY2" fmla="*/ 263524 h 316230"/>
+              <a:gd name="connsiteX3" fmla="*/ 530858 w 583564"/>
+              <a:gd name="connsiteY3" fmla="*/ 316230 h 316230"/>
+              <a:gd name="connsiteX4" fmla="*/ 0 w 583564"/>
+              <a:gd name="connsiteY4" fmla="*/ 316230 h 316230"/>
+              <a:gd name="connsiteX0" fmla="*/ 583564 w 583564"/>
+              <a:gd name="connsiteY0" fmla="*/ 0 h 263524"/>
+              <a:gd name="connsiteX1" fmla="*/ 583564 w 583564"/>
+              <a:gd name="connsiteY1" fmla="*/ 210818 h 263524"/>
+              <a:gd name="connsiteX2" fmla="*/ 530858 w 583564"/>
+              <a:gd name="connsiteY2" fmla="*/ 263524 h 263524"/>
+              <a:gd name="connsiteX3" fmla="*/ 0 w 583564"/>
+              <a:gd name="connsiteY3" fmla="*/ 263524 h 263524"/>
+            </a:gdLst>
+            <a:ahLst/>
+            <a:cxnLst>
+              <a:cxn ang="0">
+                <a:pos x="connsiteX0" y="connsiteY0"/>
+              </a:cxn>
+              <a:cxn ang="0">
+                <a:pos x="connsiteX1" y="connsiteY1"/>
+              </a:cxn>
+              <a:cxn ang="0">
+                <a:pos x="connsiteX2" y="connsiteY2"/>
+              </a:cxn>
+              <a:cxn ang="0">
+                <a:pos x="connsiteX3" y="connsiteY3"/>
+              </a:cxn>
+            </a:cxnLst>
+            <a:rect l="l" t="t" r="r" b="b"/>
+            <a:pathLst>
+              <a:path w="583564" h="263524">
+                <a:moveTo>
+                  <a:pt x="583564" y="0"/>
+                </a:moveTo>
+                <a:lnTo>
+                  <a:pt x="583564" y="210818"/>
+                </a:lnTo>
+                <a:cubicBezTo>
+                  <a:pt x="583564" y="239927"/>
+                  <a:pt x="559967" y="263524"/>
+                  <a:pt x="530858" y="263524"/>
+                </a:cubicBezTo>
+                <a:lnTo>
+                  <a:pt x="0" y="263524"/>
+                </a:lnTo>
+              </a:path>
+            </a:pathLst>
+          </a:custGeom>
+          <a:noFill/>
+          <a:ln w="25400">
+            <a:solidFill>
+              <a:schemeClr val="tx1"/>
+            </a:solidFill>
+            <a:headEnd type="triangle"/>
+          </a:ln>
+        </p:spPr>
+        <p:style>
+          <a:lnRef idx="2">
+            <a:schemeClr val="accent1">
+              <a:shade val="50000"/>
+            </a:schemeClr>
+          </a:lnRef>
+          <a:fillRef idx="1">
+            <a:schemeClr val="accent1"/>
+          </a:fillRef>
+          <a:effectRef idx="0">
+            <a:schemeClr val="accent1"/>
+          </a:effectRef>
+          <a:fontRef idx="minor">
+            <a:schemeClr val="lt1"/>
+          </a:fontRef>
+        </p:style>
+        <p:txBody>
+          <a:bodyPr lIns="0" tIns="0" rIns="0" bIns="0" rtlCol="0" anchor="t" anchorCtr="0"/>
+          <a:lstStyle/>
+          <a:p>
+            <a:pPr algn="ctr"/>
+            <a:endParaRPr lang="zh-CN" altLang="en-US" i="1">
+              <a:solidFill>
+                <a:schemeClr val="tx1"/>
+              </a:solidFill>
+              <a:latin typeface="Times New Roman" panose="02020603050405020304" pitchFamily="18" charset="0"/>
+              <a:cs typeface="Times New Roman" panose="02020603050405020304" pitchFamily="18" charset="0"/>
+            </a:endParaRPr>
+          </a:p>
+        </p:txBody>
+      </p:sp>
+      <p:sp>
+        <p:nvSpPr>
+          <p:cNvPr id="27" name="圆角矩形 26"/>
+          <p:cNvSpPr/>
+          <p:nvPr/>
+        </p:nvSpPr>
+        <p:spPr>
+          <a:xfrm>
+            <a:off x="2354082" y="2528978"/>
+            <a:ext cx="293904" cy="316230"/>
+          </a:xfrm>
+          <a:prstGeom prst="roundRect">
+            <a:avLst/>
+          </a:prstGeom>
+          <a:noFill/>
+          <a:ln w="25400">
+            <a:solidFill>
+              <a:schemeClr val="tx1"/>
+            </a:solidFill>
+          </a:ln>
+        </p:spPr>
+        <p:style>
+          <a:lnRef idx="2">
+            <a:schemeClr val="accent1">
+              <a:shade val="50000"/>
+            </a:schemeClr>
+          </a:lnRef>
+          <a:fillRef idx="1">
+            <a:schemeClr val="accent1"/>
+          </a:fillRef>
+          <a:effectRef idx="0">
+            <a:schemeClr val="accent1"/>
+          </a:effectRef>
+          <a:fontRef idx="minor">
+            <a:schemeClr val="lt1"/>
+          </a:fontRef>
+        </p:style>
+        <p:txBody>
+          <a:bodyPr lIns="0" tIns="0" rIns="0" bIns="0" rtlCol="0" anchor="t" anchorCtr="0"/>
+          <a:lstStyle/>
+          <a:p>
+            <a:pPr algn="ctr"/>
+            <a:r>
+              <a:rPr lang="en-US" altLang="zh-CN" b="1" i="1">
+                <a:solidFill>
+                  <a:schemeClr val="accent6">
+                    <a:lumMod val="60000"/>
+                    <a:lumOff val="40000"/>
+                  </a:schemeClr>
+                </a:solidFill>
+                <a:latin typeface="Times New Roman" panose="02020603050405020304" pitchFamily="18" charset="0"/>
+                <a:cs typeface="Times New Roman" panose="02020603050405020304" pitchFamily="18" charset="0"/>
+              </a:rPr>
+              <a:t>σ</a:t>
+            </a:r>
+            <a:endParaRPr lang="zh-CN" altLang="en-US" b="1" i="1">
+              <a:solidFill>
+                <a:schemeClr val="accent6">
+                  <a:lumMod val="60000"/>
+                  <a:lumOff val="40000"/>
+                </a:schemeClr>
+              </a:solidFill>
+              <a:latin typeface="Times New Roman" panose="02020603050405020304" pitchFamily="18" charset="0"/>
+              <a:cs typeface="Times New Roman" panose="02020603050405020304" pitchFamily="18" charset="0"/>
+            </a:endParaRPr>
+          </a:p>
+        </p:txBody>
+      </p:sp>
+      <p:grpSp>
+        <p:nvGrpSpPr>
+          <p:cNvPr id="39" name="组合 38"/>
+          <p:cNvGrpSpPr/>
+          <p:nvPr/>
+        </p:nvGrpSpPr>
+        <p:grpSpPr>
+          <a:xfrm>
+            <a:off x="2331605" y="985105"/>
+            <a:ext cx="345474" cy="345474"/>
+            <a:chOff x="3681880" y="2047900"/>
+            <a:chExt cx="345474" cy="345474"/>
+          </a:xfrm>
+        </p:grpSpPr>
+        <p:sp>
+          <p:nvSpPr>
+            <p:cNvPr id="33" name="椭圆 32"/>
+            <p:cNvSpPr/>
+            <p:nvPr/>
+          </p:nvSpPr>
+          <p:spPr>
+            <a:xfrm>
+              <a:off x="3736705" y="2102725"/>
+              <a:ext cx="235824" cy="235824"/>
+            </a:xfrm>
+            <a:prstGeom prst="ellipse">
+              <a:avLst/>
+            </a:prstGeom>
+            <a:noFill/>
+            <a:ln w="25400">
+              <a:solidFill>
+                <a:schemeClr val="tx1"/>
+              </a:solidFill>
+            </a:ln>
+          </p:spPr>
+          <p:style>
+            <a:lnRef idx="2">
+              <a:schemeClr val="accent1">
+                <a:shade val="50000"/>
+              </a:schemeClr>
+            </a:lnRef>
+            <a:fillRef idx="1">
+              <a:schemeClr val="accent1"/>
+            </a:fillRef>
+            <a:effectRef idx="0">
+              <a:schemeClr val="accent1"/>
+            </a:effectRef>
+            <a:fontRef idx="minor">
+              <a:schemeClr val="lt1"/>
+            </a:fontRef>
+          </p:style>
+          <p:txBody>
+            <a:bodyPr rtlCol="0" anchor="ctr"/>
+            <a:lstStyle/>
+            <a:p>
+              <a:pPr algn="ctr"/>
+              <a:endParaRPr lang="zh-CN" altLang="en-US"/>
+            </a:p>
+          </p:txBody>
+        </p:sp>
+        <p:sp>
+          <p:nvSpPr>
+            <p:cNvPr id="36" name="加号 35"/>
+            <p:cNvSpPr/>
+            <p:nvPr/>
+          </p:nvSpPr>
+          <p:spPr>
+            <a:xfrm>
+              <a:off x="3681880" y="2047900"/>
+              <a:ext cx="345474" cy="345474"/>
+            </a:xfrm>
+            <a:prstGeom prst="mathPlus">
+              <a:avLst>
+                <a:gd name="adj1" fmla="val 8721"/>
+              </a:avLst>
+            </a:prstGeom>
+            <a:solidFill>
+              <a:schemeClr val="tx1"/>
+            </a:solidFill>
+            <a:ln>
+              <a:noFill/>
+            </a:ln>
+          </p:spPr>
+          <p:style>
+            <a:lnRef idx="2">
+              <a:schemeClr val="accent1">
+                <a:shade val="50000"/>
+              </a:schemeClr>
+            </a:lnRef>
+            <a:fillRef idx="1">
+              <a:schemeClr val="accent1"/>
+            </a:fillRef>
+            <a:effectRef idx="0">
+              <a:schemeClr val="accent1"/>
+            </a:effectRef>
+            <a:fontRef idx="minor">
+              <a:schemeClr val="lt1"/>
+            </a:fontRef>
+          </p:style>
+          <p:txBody>
+            <a:bodyPr rtlCol="0" anchor="ctr"/>
+            <a:lstStyle/>
+            <a:p>
+              <a:pPr algn="ctr"/>
+              <a:endParaRPr lang="zh-CN" altLang="en-US"/>
+            </a:p>
+          </p:txBody>
+        </p:sp>
+      </p:grpSp>
+      <p:sp>
+        <p:nvSpPr>
+          <p:cNvPr id="40" name="文本框 39"/>
+          <p:cNvSpPr txBox="1"/>
+          <p:nvPr/>
+        </p:nvSpPr>
+        <p:spPr>
+          <a:xfrm>
+            <a:off x="2512383" y="2273265"/>
+            <a:ext cx="169133" cy="276999"/>
+          </a:xfrm>
+          <a:prstGeom prst="rect">
+            <a:avLst/>
+          </a:prstGeom>
+          <a:noFill/>
+        </p:spPr>
+        <p:txBody>
+          <a:bodyPr wrap="square" rtlCol="0">
+            <a:spAutoFit/>
+          </a:bodyPr>
+          <a:lstStyle/>
+          <a:p>
+            <a:r>
+              <a:rPr lang="en-US" altLang="zh-CN" sz="1200" b="1" i="1" smtClean="0">
+                <a:solidFill>
+                  <a:schemeClr val="accent6">
+                    <a:lumMod val="60000"/>
+                    <a:lumOff val="40000"/>
+                  </a:schemeClr>
+                </a:solidFill>
+                <a:latin typeface="Times New Roman" panose="02020603050405020304" pitchFamily="18" charset="0"/>
+                <a:ea typeface="微软雅黑" panose="020B0503020204020204" pitchFamily="34" charset="-122"/>
+                <a:cs typeface="Times New Roman" panose="02020603050405020304" pitchFamily="18" charset="0"/>
+              </a:rPr>
+              <a:t>t</a:t>
+            </a:r>
+            <a:endParaRPr lang="en-US" altLang="zh-CN" sz="1200" b="1" i="1" baseline="-25000" smtClean="0">
+              <a:solidFill>
+                <a:schemeClr val="accent6">
+                  <a:lumMod val="60000"/>
+                  <a:lumOff val="40000"/>
+                </a:schemeClr>
+              </a:solidFill>
+              <a:latin typeface="Times New Roman" panose="02020603050405020304" pitchFamily="18" charset="0"/>
+              <a:ea typeface="微软雅黑" panose="020B0503020204020204" pitchFamily="34" charset="-122"/>
+              <a:cs typeface="Times New Roman" panose="02020603050405020304" pitchFamily="18" charset="0"/>
+            </a:endParaRPr>
+          </a:p>
+        </p:txBody>
+      </p:sp>
+      <p:sp>
+        <p:nvSpPr>
+          <p:cNvPr id="41" name="文本框 40"/>
+          <p:cNvSpPr txBox="1"/>
+          <p:nvPr/>
+        </p:nvSpPr>
+        <p:spPr>
+          <a:xfrm>
+            <a:off x="1996778" y="2281176"/>
+            <a:ext cx="285941" cy="276999"/>
+          </a:xfrm>
+          <a:prstGeom prst="rect">
+            <a:avLst/>
+          </a:prstGeom>
+          <a:noFill/>
+        </p:spPr>
+        <p:txBody>
+          <a:bodyPr wrap="square" rtlCol="0">
+            <a:spAutoFit/>
+          </a:bodyPr>
+          <a:lstStyle/>
+          <a:p>
+            <a:r>
+              <a:rPr lang="en-US" altLang="zh-CN" sz="1200" b="1" smtClean="0">
+                <a:solidFill>
+                  <a:schemeClr val="accent1"/>
+                </a:solidFill>
+                <a:latin typeface="Times New Roman" panose="02020603050405020304" pitchFamily="18" charset="0"/>
+                <a:ea typeface="微软雅黑" panose="020B0503020204020204" pitchFamily="34" charset="-122"/>
+                <a:cs typeface="Times New Roman" panose="02020603050405020304" pitchFamily="18" charset="0"/>
+              </a:rPr>
+              <a:t>z</a:t>
+            </a:r>
+            <a:endParaRPr lang="en-US" altLang="zh-CN" sz="1200" b="1" baseline="-25000" smtClean="0">
+              <a:solidFill>
+                <a:schemeClr val="accent1"/>
+              </a:solidFill>
+              <a:latin typeface="Times New Roman" panose="02020603050405020304" pitchFamily="18" charset="0"/>
+              <a:ea typeface="微软雅黑" panose="020B0503020204020204" pitchFamily="34" charset="-122"/>
+              <a:cs typeface="Times New Roman" panose="02020603050405020304" pitchFamily="18" charset="0"/>
+            </a:endParaRPr>
+          </a:p>
+        </p:txBody>
+      </p:sp>
+      <p:sp>
+        <p:nvSpPr>
+          <p:cNvPr id="43" name="圆角矩形 42"/>
+          <p:cNvSpPr/>
+          <p:nvPr/>
+        </p:nvSpPr>
+        <p:spPr>
+          <a:xfrm flipH="1">
+            <a:off x="2502234" y="1559198"/>
+            <a:ext cx="495423" cy="1521557"/>
+          </a:xfrm>
+          <a:custGeom>
+            <a:avLst/>
+            <a:gdLst>
+              <a:gd name="connsiteX0" fmla="*/ 0 w 868307"/>
+              <a:gd name="connsiteY0" fmla="*/ 109263 h 838419"/>
+              <a:gd name="connsiteX1" fmla="*/ 109263 w 868307"/>
+              <a:gd name="connsiteY1" fmla="*/ 0 h 838419"/>
+              <a:gd name="connsiteX2" fmla="*/ 759044 w 868307"/>
+              <a:gd name="connsiteY2" fmla="*/ 0 h 838419"/>
+              <a:gd name="connsiteX3" fmla="*/ 868307 w 868307"/>
+              <a:gd name="connsiteY3" fmla="*/ 109263 h 838419"/>
+              <a:gd name="connsiteX4" fmla="*/ 868307 w 868307"/>
+              <a:gd name="connsiteY4" fmla="*/ 729156 h 838419"/>
+              <a:gd name="connsiteX5" fmla="*/ 759044 w 868307"/>
+              <a:gd name="connsiteY5" fmla="*/ 838419 h 838419"/>
+              <a:gd name="connsiteX6" fmla="*/ 109263 w 868307"/>
+              <a:gd name="connsiteY6" fmla="*/ 838419 h 838419"/>
+              <a:gd name="connsiteX7" fmla="*/ 0 w 868307"/>
+              <a:gd name="connsiteY7" fmla="*/ 729156 h 838419"/>
+              <a:gd name="connsiteX8" fmla="*/ 0 w 868307"/>
+              <a:gd name="connsiteY8" fmla="*/ 109263 h 838419"/>
+              <a:gd name="connsiteX0" fmla="*/ 868307 w 959747"/>
+              <a:gd name="connsiteY0" fmla="*/ 109263 h 838419"/>
+              <a:gd name="connsiteX1" fmla="*/ 868307 w 959747"/>
+              <a:gd name="connsiteY1" fmla="*/ 729156 h 838419"/>
+              <a:gd name="connsiteX2" fmla="*/ 759044 w 959747"/>
+              <a:gd name="connsiteY2" fmla="*/ 838419 h 838419"/>
+              <a:gd name="connsiteX3" fmla="*/ 109263 w 959747"/>
+              <a:gd name="connsiteY3" fmla="*/ 838419 h 838419"/>
+              <a:gd name="connsiteX4" fmla="*/ 0 w 959747"/>
+              <a:gd name="connsiteY4" fmla="*/ 729156 h 838419"/>
+              <a:gd name="connsiteX5" fmla="*/ 0 w 959747"/>
+              <a:gd name="connsiteY5" fmla="*/ 109263 h 838419"/>
+              <a:gd name="connsiteX6" fmla="*/ 109263 w 959747"/>
+              <a:gd name="connsiteY6" fmla="*/ 0 h 838419"/>
+              <a:gd name="connsiteX7" fmla="*/ 759044 w 959747"/>
+              <a:gd name="connsiteY7" fmla="*/ 0 h 838419"/>
+              <a:gd name="connsiteX8" fmla="*/ 959747 w 959747"/>
+              <a:gd name="connsiteY8" fmla="*/ 200703 h 838419"/>
+              <a:gd name="connsiteX0" fmla="*/ 868307 w 868307"/>
+              <a:gd name="connsiteY0" fmla="*/ 109263 h 838419"/>
+              <a:gd name="connsiteX1" fmla="*/ 868307 w 868307"/>
+              <a:gd name="connsiteY1" fmla="*/ 729156 h 838419"/>
+              <a:gd name="connsiteX2" fmla="*/ 759044 w 868307"/>
+              <a:gd name="connsiteY2" fmla="*/ 838419 h 838419"/>
+              <a:gd name="connsiteX3" fmla="*/ 109263 w 868307"/>
+              <a:gd name="connsiteY3" fmla="*/ 838419 h 838419"/>
+              <a:gd name="connsiteX4" fmla="*/ 0 w 868307"/>
+              <a:gd name="connsiteY4" fmla="*/ 729156 h 838419"/>
+              <a:gd name="connsiteX5" fmla="*/ 0 w 868307"/>
+              <a:gd name="connsiteY5" fmla="*/ 109263 h 838419"/>
+              <a:gd name="connsiteX6" fmla="*/ 109263 w 868307"/>
+              <a:gd name="connsiteY6" fmla="*/ 0 h 838419"/>
+              <a:gd name="connsiteX7" fmla="*/ 759044 w 868307"/>
+              <a:gd name="connsiteY7" fmla="*/ 0 h 838419"/>
+              <a:gd name="connsiteX0" fmla="*/ 868307 w 868307"/>
+              <a:gd name="connsiteY0" fmla="*/ 729156 h 838419"/>
+              <a:gd name="connsiteX1" fmla="*/ 759044 w 868307"/>
+              <a:gd name="connsiteY1" fmla="*/ 838419 h 838419"/>
+              <a:gd name="connsiteX2" fmla="*/ 109263 w 868307"/>
+              <a:gd name="connsiteY2" fmla="*/ 838419 h 838419"/>
+              <a:gd name="connsiteX3" fmla="*/ 0 w 868307"/>
+              <a:gd name="connsiteY3" fmla="*/ 729156 h 838419"/>
+              <a:gd name="connsiteX4" fmla="*/ 0 w 868307"/>
+              <a:gd name="connsiteY4" fmla="*/ 109263 h 838419"/>
+              <a:gd name="connsiteX5" fmla="*/ 109263 w 868307"/>
+              <a:gd name="connsiteY5" fmla="*/ 0 h 838419"/>
+              <a:gd name="connsiteX6" fmla="*/ 759044 w 868307"/>
+              <a:gd name="connsiteY6" fmla="*/ 0 h 838419"/>
+              <a:gd name="connsiteX0" fmla="*/ 759044 w 759044"/>
+              <a:gd name="connsiteY0" fmla="*/ 838419 h 838419"/>
+              <a:gd name="connsiteX1" fmla="*/ 109263 w 759044"/>
+              <a:gd name="connsiteY1" fmla="*/ 838419 h 838419"/>
+              <a:gd name="connsiteX2" fmla="*/ 0 w 759044"/>
+              <a:gd name="connsiteY2" fmla="*/ 729156 h 838419"/>
+              <a:gd name="connsiteX3" fmla="*/ 0 w 759044"/>
+              <a:gd name="connsiteY3" fmla="*/ 109263 h 838419"/>
+              <a:gd name="connsiteX4" fmla="*/ 109263 w 759044"/>
+              <a:gd name="connsiteY4" fmla="*/ 0 h 838419"/>
+              <a:gd name="connsiteX5" fmla="*/ 759044 w 759044"/>
+              <a:gd name="connsiteY5" fmla="*/ 0 h 838419"/>
+              <a:gd name="connsiteX0" fmla="*/ 759044 w 759044"/>
+              <a:gd name="connsiteY0" fmla="*/ 838419 h 838419"/>
+              <a:gd name="connsiteX1" fmla="*/ 109263 w 759044"/>
+              <a:gd name="connsiteY1" fmla="*/ 838419 h 838419"/>
+              <a:gd name="connsiteX2" fmla="*/ 0 w 759044"/>
+              <a:gd name="connsiteY2" fmla="*/ 729156 h 838419"/>
+              <a:gd name="connsiteX3" fmla="*/ 0 w 759044"/>
+              <a:gd name="connsiteY3" fmla="*/ 109263 h 838419"/>
+              <a:gd name="connsiteX4" fmla="*/ 109263 w 759044"/>
+              <a:gd name="connsiteY4" fmla="*/ 0 h 838419"/>
+            </a:gdLst>
+            <a:ahLst/>
+            <a:cxnLst>
+              <a:cxn ang="0">
+                <a:pos x="connsiteX0" y="connsiteY0"/>
+              </a:cxn>
+              <a:cxn ang="0">
+                <a:pos x="connsiteX1" y="connsiteY1"/>
+              </a:cxn>
+              <a:cxn ang="0">
+                <a:pos x="connsiteX2" y="connsiteY2"/>
+              </a:cxn>
+              <a:cxn ang="0">
+                <a:pos x="connsiteX3" y="connsiteY3"/>
+              </a:cxn>
+              <a:cxn ang="0">
+                <a:pos x="connsiteX4" y="connsiteY4"/>
+              </a:cxn>
+            </a:cxnLst>
+            <a:rect l="l" t="t" r="r" b="b"/>
+            <a:pathLst>
+              <a:path w="759044" h="838419">
+                <a:moveTo>
+                  <a:pt x="759044" y="838419"/>
+                </a:moveTo>
+                <a:lnTo>
+                  <a:pt x="109263" y="838419"/>
+                </a:lnTo>
+                <a:cubicBezTo>
+                  <a:pt x="48919" y="838419"/>
+                  <a:pt x="0" y="789500"/>
+                  <a:pt x="0" y="729156"/>
+                </a:cubicBezTo>
+                <a:lnTo>
+                  <a:pt x="0" y="109263"/>
+                </a:lnTo>
+                <a:cubicBezTo>
+                  <a:pt x="0" y="48919"/>
+                  <a:pt x="48919" y="0"/>
+                  <a:pt x="109263" y="0"/>
+                </a:cubicBezTo>
+              </a:path>
+            </a:pathLst>
+          </a:custGeom>
+          <a:noFill/>
+          <a:ln w="25400">
+            <a:solidFill>
+              <a:schemeClr val="tx1"/>
+            </a:solidFill>
+          </a:ln>
+        </p:spPr>
+        <p:style>
+          <a:lnRef idx="2">
+            <a:schemeClr val="accent1">
+              <a:shade val="50000"/>
+            </a:schemeClr>
+          </a:lnRef>
+          <a:fillRef idx="1">
+            <a:schemeClr val="accent1"/>
+          </a:fillRef>
+          <a:effectRef idx="0">
+            <a:schemeClr val="accent1"/>
+          </a:effectRef>
+          <a:fontRef idx="minor">
+            <a:schemeClr val="lt1"/>
+          </a:fontRef>
+        </p:style>
+        <p:txBody>
+          <a:bodyPr rtlCol="0" anchor="ctr"/>
+          <a:lstStyle/>
+          <a:p>
+            <a:pPr algn="ctr"/>
+            <a:endParaRPr lang="zh-CN" altLang="en-US"/>
+          </a:p>
+        </p:txBody>
+      </p:sp>
+      <p:sp>
+        <p:nvSpPr>
+          <p:cNvPr id="46" name="椭圆 45"/>
+          <p:cNvSpPr/>
+          <p:nvPr/>
+        </p:nvSpPr>
+        <p:spPr>
+          <a:xfrm>
+            <a:off x="2382823" y="1828177"/>
+            <a:ext cx="235824" cy="235824"/>
+          </a:xfrm>
+          <a:prstGeom prst="ellipse">
+            <a:avLst/>
+          </a:prstGeom>
+          <a:noFill/>
+          <a:ln w="25400">
+            <a:solidFill>
+              <a:schemeClr val="tx1"/>
+            </a:solidFill>
+          </a:ln>
+        </p:spPr>
+        <p:style>
+          <a:lnRef idx="2">
+            <a:schemeClr val="accent1">
+              <a:shade val="50000"/>
+            </a:schemeClr>
+          </a:lnRef>
+          <a:fillRef idx="1">
+            <a:schemeClr val="accent1"/>
+          </a:fillRef>
+          <a:effectRef idx="0">
+            <a:schemeClr val="accent1"/>
+          </a:effectRef>
+          <a:fontRef idx="minor">
+            <a:schemeClr val="lt1"/>
+          </a:fontRef>
+        </p:style>
+        <p:txBody>
+          <a:bodyPr lIns="0" tIns="0" rIns="0" bIns="0" rtlCol="0" anchor="ctr"/>
+          <a:lstStyle/>
+          <a:p>
+            <a:pPr algn="ctr"/>
+            <a:r>
+              <a:rPr lang="en-US" altLang="zh-CN" sz="1200" b="1" smtClean="0">
+                <a:solidFill>
+                  <a:schemeClr val="tx1"/>
+                </a:solidFill>
+                <a:latin typeface="Times New Roman" panose="02020603050405020304" pitchFamily="18" charset="0"/>
+                <a:cs typeface="Times New Roman" panose="02020603050405020304" pitchFamily="18" charset="0"/>
+              </a:rPr>
+              <a:t>1-</a:t>
+            </a:r>
+            <a:endParaRPr lang="zh-CN" altLang="en-US" sz="1200" b="1">
+              <a:solidFill>
+                <a:schemeClr val="tx1"/>
+              </a:solidFill>
+              <a:latin typeface="Times New Roman" panose="02020603050405020304" pitchFamily="18" charset="0"/>
+              <a:cs typeface="Times New Roman" panose="02020603050405020304" pitchFamily="18" charset="0"/>
+            </a:endParaRPr>
+          </a:p>
+        </p:txBody>
+      </p:sp>
+      <p:cxnSp>
+        <p:nvCxnSpPr>
+          <p:cNvPr id="50" name="直接箭头连接符 49"/>
+          <p:cNvCxnSpPr/>
+          <p:nvPr/>
+        </p:nvCxnSpPr>
+        <p:spPr>
+          <a:xfrm flipH="1">
+            <a:off x="2105488" y="2242335"/>
+            <a:ext cx="396000" cy="0"/>
+          </a:xfrm>
+          <a:prstGeom prst="straightConnector1">
+            <a:avLst/>
+          </a:prstGeom>
+          <a:ln w="25400">
+            <a:solidFill>
+              <a:schemeClr val="tx1"/>
+            </a:solidFill>
+            <a:tailEnd type="triangle"/>
+          </a:ln>
+        </p:spPr>
+        <p:style>
+          <a:lnRef idx="1">
+            <a:schemeClr val="accent1"/>
+          </a:lnRef>
+          <a:fillRef idx="0">
+            <a:schemeClr val="accent1"/>
+          </a:fillRef>
+          <a:effectRef idx="0">
+            <a:schemeClr val="accent1"/>
+          </a:effectRef>
+          <a:fontRef idx="minor">
+            <a:schemeClr val="tx1"/>
+          </a:fontRef>
+        </p:style>
+      </p:cxnSp>
+      <p:cxnSp>
+        <p:nvCxnSpPr>
+          <p:cNvPr id="57" name="直接箭头连接符 56"/>
+          <p:cNvCxnSpPr/>
+          <p:nvPr/>
+        </p:nvCxnSpPr>
+        <p:spPr>
+          <a:xfrm flipV="1">
+            <a:off x="1989226" y="2323636"/>
+            <a:ext cx="0" cy="210572"/>
+          </a:xfrm>
+          <a:prstGeom prst="straightConnector1">
+            <a:avLst/>
+          </a:prstGeom>
+          <a:ln w="25400">
+            <a:solidFill>
+              <a:schemeClr val="tx1"/>
+            </a:solidFill>
+            <a:tailEnd type="triangle"/>
+          </a:ln>
+        </p:spPr>
+        <p:style>
+          <a:lnRef idx="1">
+            <a:schemeClr val="accent1"/>
+          </a:lnRef>
+          <a:fillRef idx="0">
+            <a:schemeClr val="accent1"/>
+          </a:fillRef>
+          <a:effectRef idx="0">
+            <a:schemeClr val="accent1"/>
+          </a:effectRef>
+          <a:fontRef idx="minor">
+            <a:schemeClr val="tx1"/>
+          </a:fontRef>
+        </p:style>
+      </p:cxnSp>
+      <p:grpSp>
+        <p:nvGrpSpPr>
+          <p:cNvPr id="61" name="组合 60"/>
+          <p:cNvGrpSpPr/>
+          <p:nvPr/>
+        </p:nvGrpSpPr>
+        <p:grpSpPr>
+          <a:xfrm>
+            <a:off x="2331605" y="1391832"/>
+            <a:ext cx="338260" cy="356508"/>
+            <a:chOff x="3419991" y="1996064"/>
+            <a:chExt cx="338260" cy="356508"/>
+          </a:xfrm>
+        </p:grpSpPr>
+        <p:sp>
+          <p:nvSpPr>
+            <p:cNvPr id="62" name="椭圆 61"/>
+            <p:cNvSpPr/>
+            <p:nvPr/>
+          </p:nvSpPr>
+          <p:spPr>
+            <a:xfrm>
+              <a:off x="3471209" y="2056406"/>
+              <a:ext cx="235824" cy="235824"/>
+            </a:xfrm>
+            <a:prstGeom prst="ellipse">
+              <a:avLst/>
+            </a:prstGeom>
+            <a:noFill/>
+            <a:ln w="25400">
+              <a:solidFill>
+                <a:schemeClr val="tx1"/>
+              </a:solidFill>
+            </a:ln>
+          </p:spPr>
+          <p:style>
+            <a:lnRef idx="2">
+              <a:schemeClr val="accent1">
+                <a:shade val="50000"/>
+              </a:schemeClr>
+            </a:lnRef>
+            <a:fillRef idx="1">
+              <a:schemeClr val="accent1"/>
+            </a:fillRef>
+            <a:effectRef idx="0">
+              <a:schemeClr val="accent1"/>
+            </a:effectRef>
+            <a:fontRef idx="minor">
+              <a:schemeClr val="lt1"/>
+            </a:fontRef>
+          </p:style>
+          <p:txBody>
+            <a:bodyPr rtlCol="0" anchor="ctr"/>
+            <a:lstStyle/>
+            <a:p>
+              <a:pPr algn="ctr"/>
+              <a:endParaRPr lang="zh-CN" altLang="en-US"/>
+            </a:p>
+          </p:txBody>
+        </p:sp>
+        <p:sp>
+          <p:nvSpPr>
+            <p:cNvPr id="63" name="乘号 62"/>
+            <p:cNvSpPr/>
+            <p:nvPr/>
+          </p:nvSpPr>
+          <p:spPr>
+            <a:xfrm>
+              <a:off x="3419991" y="1996064"/>
+              <a:ext cx="338260" cy="356508"/>
+            </a:xfrm>
+            <a:prstGeom prst="mathMultiply">
+              <a:avLst>
+                <a:gd name="adj1" fmla="val 6883"/>
+              </a:avLst>
+            </a:prstGeom>
+            <a:solidFill>
+              <a:schemeClr val="tx1"/>
+            </a:solidFill>
+            <a:ln>
+              <a:noFill/>
+            </a:ln>
+          </p:spPr>
+          <p:style>
+            <a:lnRef idx="2">
+              <a:schemeClr val="accent1">
+                <a:shade val="50000"/>
+              </a:schemeClr>
+            </a:lnRef>
+            <a:fillRef idx="1">
+              <a:schemeClr val="accent1"/>
+            </a:fillRef>
+            <a:effectRef idx="0">
+              <a:schemeClr val="accent1"/>
+            </a:effectRef>
+            <a:fontRef idx="minor">
+              <a:schemeClr val="lt1"/>
+            </a:fontRef>
+          </p:style>
+          <p:txBody>
+            <a:bodyPr rtlCol="0" anchor="ctr"/>
+            <a:lstStyle/>
+            <a:p>
+              <a:pPr algn="ctr"/>
+              <a:endParaRPr lang="zh-CN" altLang="en-US"/>
+            </a:p>
+          </p:txBody>
+        </p:sp>
+      </p:grpSp>
+      <p:cxnSp>
+        <p:nvCxnSpPr>
+          <p:cNvPr id="64" name="直接箭头连接符 63"/>
+          <p:cNvCxnSpPr>
+            <a:stCxn id="43" idx="4"/>
+          </p:cNvCxnSpPr>
+          <p:nvPr/>
+        </p:nvCxnSpPr>
+        <p:spPr>
+          <a:xfrm flipH="1">
+            <a:off x="2618648" y="1559198"/>
+            <a:ext cx="307694" cy="515"/>
+          </a:xfrm>
+          <a:prstGeom prst="straightConnector1">
+            <a:avLst/>
+          </a:prstGeom>
+          <a:ln w="25400">
+            <a:solidFill>
+              <a:schemeClr val="tx1"/>
+            </a:solidFill>
+            <a:tailEnd type="triangle"/>
+          </a:ln>
+        </p:spPr>
+        <p:style>
+          <a:lnRef idx="1">
+            <a:schemeClr val="accent1"/>
+          </a:lnRef>
+          <a:fillRef idx="0">
+            <a:schemeClr val="accent1"/>
+          </a:fillRef>
+          <a:effectRef idx="0">
+            <a:schemeClr val="accent1"/>
+          </a:effectRef>
+          <a:fontRef idx="minor">
+            <a:schemeClr val="tx1"/>
+          </a:fontRef>
+        </p:style>
+      </p:cxnSp>
+      <p:cxnSp>
+        <p:nvCxnSpPr>
+          <p:cNvPr id="68" name="直接箭头连接符 67"/>
+          <p:cNvCxnSpPr>
+            <a:stCxn id="46" idx="0"/>
+            <a:endCxn id="62" idx="4"/>
+          </p:cNvCxnSpPr>
+          <p:nvPr/>
+        </p:nvCxnSpPr>
+        <p:spPr>
+          <a:xfrm flipV="1">
+            <a:off x="2500735" y="1687998"/>
+            <a:ext cx="0" cy="140179"/>
+          </a:xfrm>
+          <a:prstGeom prst="straightConnector1">
+            <a:avLst/>
+          </a:prstGeom>
+          <a:ln w="25400">
+            <a:solidFill>
+              <a:schemeClr val="tx1"/>
+            </a:solidFill>
+            <a:tailEnd type="triangle"/>
+          </a:ln>
+        </p:spPr>
+        <p:style>
+          <a:lnRef idx="1">
+            <a:schemeClr val="accent1"/>
+          </a:lnRef>
+          <a:fillRef idx="0">
+            <a:schemeClr val="accent1"/>
+          </a:fillRef>
+          <a:effectRef idx="0">
+            <a:schemeClr val="accent1"/>
+          </a:effectRef>
+          <a:fontRef idx="minor">
+            <a:schemeClr val="tx1"/>
+          </a:fontRef>
+        </p:style>
+      </p:cxnSp>
+      <p:sp>
+        <p:nvSpPr>
+          <p:cNvPr id="71" name="圆角矩形 25"/>
+          <p:cNvSpPr/>
+          <p:nvPr/>
+        </p:nvSpPr>
+        <p:spPr>
+          <a:xfrm rot="16200000" flipV="1">
+            <a:off x="1709311" y="1416858"/>
+            <a:ext cx="955946" cy="406420"/>
+          </a:xfrm>
+          <a:custGeom>
+            <a:avLst/>
+            <a:gdLst>
+              <a:gd name="connsiteX0" fmla="*/ 0 w 636270"/>
+              <a:gd name="connsiteY0" fmla="*/ 52706 h 316230"/>
+              <a:gd name="connsiteX1" fmla="*/ 52706 w 636270"/>
+              <a:gd name="connsiteY1" fmla="*/ 0 h 316230"/>
+              <a:gd name="connsiteX2" fmla="*/ 583564 w 636270"/>
+              <a:gd name="connsiteY2" fmla="*/ 0 h 316230"/>
+              <a:gd name="connsiteX3" fmla="*/ 636270 w 636270"/>
+              <a:gd name="connsiteY3" fmla="*/ 52706 h 316230"/>
+              <a:gd name="connsiteX4" fmla="*/ 636270 w 636270"/>
+              <a:gd name="connsiteY4" fmla="*/ 263524 h 316230"/>
+              <a:gd name="connsiteX5" fmla="*/ 583564 w 636270"/>
+              <a:gd name="connsiteY5" fmla="*/ 316230 h 316230"/>
+              <a:gd name="connsiteX6" fmla="*/ 52706 w 636270"/>
+              <a:gd name="connsiteY6" fmla="*/ 316230 h 316230"/>
+              <a:gd name="connsiteX7" fmla="*/ 0 w 636270"/>
+              <a:gd name="connsiteY7" fmla="*/ 263524 h 316230"/>
+              <a:gd name="connsiteX8" fmla="*/ 0 w 636270"/>
+              <a:gd name="connsiteY8" fmla="*/ 52706 h 316230"/>
+              <a:gd name="connsiteX0" fmla="*/ 52706 w 636270"/>
+              <a:gd name="connsiteY0" fmla="*/ 0 h 316230"/>
+              <a:gd name="connsiteX1" fmla="*/ 583564 w 636270"/>
+              <a:gd name="connsiteY1" fmla="*/ 0 h 316230"/>
+              <a:gd name="connsiteX2" fmla="*/ 636270 w 636270"/>
+              <a:gd name="connsiteY2" fmla="*/ 52706 h 316230"/>
+              <a:gd name="connsiteX3" fmla="*/ 636270 w 636270"/>
+              <a:gd name="connsiteY3" fmla="*/ 263524 h 316230"/>
+              <a:gd name="connsiteX4" fmla="*/ 583564 w 636270"/>
+              <a:gd name="connsiteY4" fmla="*/ 316230 h 316230"/>
+              <a:gd name="connsiteX5" fmla="*/ 52706 w 636270"/>
+              <a:gd name="connsiteY5" fmla="*/ 316230 h 316230"/>
+              <a:gd name="connsiteX6" fmla="*/ 0 w 636270"/>
+              <a:gd name="connsiteY6" fmla="*/ 263524 h 316230"/>
+              <a:gd name="connsiteX7" fmla="*/ 0 w 636270"/>
+              <a:gd name="connsiteY7" fmla="*/ 52706 h 316230"/>
+              <a:gd name="connsiteX8" fmla="*/ 144146 w 636270"/>
+              <a:gd name="connsiteY8" fmla="*/ 91440 h 316230"/>
+              <a:gd name="connsiteX0" fmla="*/ 52706 w 636270"/>
+              <a:gd name="connsiteY0" fmla="*/ 0 h 316230"/>
+              <a:gd name="connsiteX1" fmla="*/ 583564 w 636270"/>
+              <a:gd name="connsiteY1" fmla="*/ 0 h 316230"/>
+              <a:gd name="connsiteX2" fmla="*/ 636270 w 636270"/>
+              <a:gd name="connsiteY2" fmla="*/ 52706 h 316230"/>
+              <a:gd name="connsiteX3" fmla="*/ 636270 w 636270"/>
+              <a:gd name="connsiteY3" fmla="*/ 263524 h 316230"/>
+              <a:gd name="connsiteX4" fmla="*/ 583564 w 636270"/>
+              <a:gd name="connsiteY4" fmla="*/ 316230 h 316230"/>
+              <a:gd name="connsiteX5" fmla="*/ 52706 w 636270"/>
+              <a:gd name="connsiteY5" fmla="*/ 316230 h 316230"/>
+              <a:gd name="connsiteX6" fmla="*/ 0 w 636270"/>
+              <a:gd name="connsiteY6" fmla="*/ 263524 h 316230"/>
+              <a:gd name="connsiteX7" fmla="*/ 0 w 636270"/>
+              <a:gd name="connsiteY7" fmla="*/ 52706 h 316230"/>
+              <a:gd name="connsiteX0" fmla="*/ 52706 w 636270"/>
+              <a:gd name="connsiteY0" fmla="*/ 0 h 316230"/>
+              <a:gd name="connsiteX1" fmla="*/ 583564 w 636270"/>
+              <a:gd name="connsiteY1" fmla="*/ 0 h 316230"/>
+              <a:gd name="connsiteX2" fmla="*/ 636270 w 636270"/>
+              <a:gd name="connsiteY2" fmla="*/ 52706 h 316230"/>
+              <a:gd name="connsiteX3" fmla="*/ 636270 w 636270"/>
+              <a:gd name="connsiteY3" fmla="*/ 263524 h 316230"/>
+              <a:gd name="connsiteX4" fmla="*/ 583564 w 636270"/>
+              <a:gd name="connsiteY4" fmla="*/ 316230 h 316230"/>
+              <a:gd name="connsiteX5" fmla="*/ 52706 w 636270"/>
+              <a:gd name="connsiteY5" fmla="*/ 316230 h 316230"/>
+              <a:gd name="connsiteX6" fmla="*/ 0 w 636270"/>
+              <a:gd name="connsiteY6" fmla="*/ 263524 h 316230"/>
+              <a:gd name="connsiteX0" fmla="*/ 0 w 583564"/>
+              <a:gd name="connsiteY0" fmla="*/ 0 h 316230"/>
+              <a:gd name="connsiteX1" fmla="*/ 530858 w 583564"/>
+              <a:gd name="connsiteY1" fmla="*/ 0 h 316230"/>
+              <a:gd name="connsiteX2" fmla="*/ 583564 w 583564"/>
+              <a:gd name="connsiteY2" fmla="*/ 52706 h 316230"/>
+              <a:gd name="connsiteX3" fmla="*/ 583564 w 583564"/>
+              <a:gd name="connsiteY3" fmla="*/ 263524 h 316230"/>
+              <a:gd name="connsiteX4" fmla="*/ 530858 w 583564"/>
+              <a:gd name="connsiteY4" fmla="*/ 316230 h 316230"/>
+              <a:gd name="connsiteX5" fmla="*/ 0 w 583564"/>
+              <a:gd name="connsiteY5" fmla="*/ 316230 h 316230"/>
+              <a:gd name="connsiteX0" fmla="*/ 530858 w 583564"/>
+              <a:gd name="connsiteY0" fmla="*/ 0 h 316230"/>
+              <a:gd name="connsiteX1" fmla="*/ 583564 w 583564"/>
+              <a:gd name="connsiteY1" fmla="*/ 52706 h 316230"/>
+              <a:gd name="connsiteX2" fmla="*/ 583564 w 583564"/>
+              <a:gd name="connsiteY2" fmla="*/ 263524 h 316230"/>
+              <a:gd name="connsiteX3" fmla="*/ 530858 w 583564"/>
+              <a:gd name="connsiteY3" fmla="*/ 316230 h 316230"/>
+              <a:gd name="connsiteX4" fmla="*/ 0 w 583564"/>
+              <a:gd name="connsiteY4" fmla="*/ 316230 h 316230"/>
+              <a:gd name="connsiteX0" fmla="*/ 583564 w 583564"/>
+              <a:gd name="connsiteY0" fmla="*/ 0 h 263524"/>
+              <a:gd name="connsiteX1" fmla="*/ 583564 w 583564"/>
+              <a:gd name="connsiteY1" fmla="*/ 210818 h 263524"/>
+              <a:gd name="connsiteX2" fmla="*/ 530858 w 583564"/>
+              <a:gd name="connsiteY2" fmla="*/ 263524 h 263524"/>
+              <a:gd name="connsiteX3" fmla="*/ 0 w 583564"/>
+              <a:gd name="connsiteY3" fmla="*/ 263524 h 263524"/>
+            </a:gdLst>
+            <a:ahLst/>
+            <a:cxnLst>
+              <a:cxn ang="0">
+                <a:pos x="connsiteX0" y="connsiteY0"/>
+              </a:cxn>
+              <a:cxn ang="0">
+                <a:pos x="connsiteX1" y="connsiteY1"/>
+              </a:cxn>
+              <a:cxn ang="0">
+                <a:pos x="connsiteX2" y="connsiteY2"/>
+              </a:cxn>
+              <a:cxn ang="0">
+                <a:pos x="connsiteX3" y="connsiteY3"/>
+              </a:cxn>
+            </a:cxnLst>
+            <a:rect l="l" t="t" r="r" b="b"/>
+            <a:pathLst>
+              <a:path w="583564" h="263524">
+                <a:moveTo>
+                  <a:pt x="583564" y="0"/>
+                </a:moveTo>
+                <a:lnTo>
+                  <a:pt x="583564" y="210818"/>
+                </a:lnTo>
+                <a:cubicBezTo>
+                  <a:pt x="583564" y="239927"/>
+                  <a:pt x="559967" y="263524"/>
+                  <a:pt x="530858" y="263524"/>
+                </a:cubicBezTo>
+                <a:lnTo>
+                  <a:pt x="0" y="263524"/>
+                </a:lnTo>
+              </a:path>
+            </a:pathLst>
+          </a:custGeom>
+          <a:noFill/>
+          <a:ln w="25400">
+            <a:solidFill>
+              <a:schemeClr val="tx1"/>
+            </a:solidFill>
+            <a:headEnd type="triangle"/>
+          </a:ln>
+        </p:spPr>
+        <p:style>
+          <a:lnRef idx="2">
+            <a:schemeClr val="accent1">
+              <a:shade val="50000"/>
+            </a:schemeClr>
+          </a:lnRef>
+          <a:fillRef idx="1">
+            <a:schemeClr val="accent1"/>
+          </a:fillRef>
+          <a:effectRef idx="0">
+            <a:schemeClr val="accent1"/>
+          </a:effectRef>
+          <a:fontRef idx="minor">
+            <a:schemeClr val="lt1"/>
+          </a:fontRef>
+        </p:style>
+        <p:txBody>
+          <a:bodyPr lIns="0" tIns="0" rIns="0" bIns="0" rtlCol="0" anchor="t" anchorCtr="0"/>
+          <a:lstStyle/>
+          <a:p>
+            <a:pPr algn="ctr"/>
+            <a:endParaRPr lang="zh-CN" altLang="en-US" i="1">
+              <a:solidFill>
+                <a:schemeClr val="tx1"/>
+              </a:solidFill>
+              <a:latin typeface="Times New Roman" panose="02020603050405020304" pitchFamily="18" charset="0"/>
+              <a:cs typeface="Times New Roman" panose="02020603050405020304" pitchFamily="18" charset="0"/>
+            </a:endParaRPr>
+          </a:p>
+        </p:txBody>
+      </p:sp>
+      <p:cxnSp>
+        <p:nvCxnSpPr>
+          <p:cNvPr id="72" name="直接箭头连接符 71"/>
+          <p:cNvCxnSpPr>
+            <a:stCxn id="62" idx="0"/>
+            <a:endCxn id="33" idx="4"/>
+          </p:cNvCxnSpPr>
+          <p:nvPr/>
+        </p:nvCxnSpPr>
+        <p:spPr>
+          <a:xfrm flipV="1">
+            <a:off x="2500735" y="1275754"/>
+            <a:ext cx="3607" cy="176420"/>
+          </a:xfrm>
+          <a:prstGeom prst="straightConnector1">
+            <a:avLst/>
+          </a:prstGeom>
+          <a:ln w="25400">
+            <a:solidFill>
+              <a:schemeClr val="tx1"/>
+            </a:solidFill>
+            <a:tailEnd type="triangle"/>
+          </a:ln>
+        </p:spPr>
+        <p:style>
+          <a:lnRef idx="1">
+            <a:schemeClr val="accent1"/>
+          </a:lnRef>
+          <a:fillRef idx="0">
+            <a:schemeClr val="accent1"/>
+          </a:fillRef>
+          <a:effectRef idx="0">
+            <a:schemeClr val="accent1"/>
+          </a:effectRef>
+          <a:fontRef idx="minor">
+            <a:schemeClr val="tx1"/>
+          </a:fontRef>
+        </p:style>
+      </p:cxnSp>
+      <p:cxnSp>
+        <p:nvCxnSpPr>
+          <p:cNvPr id="75" name="直接箭头连接符 74"/>
+          <p:cNvCxnSpPr/>
+          <p:nvPr/>
+        </p:nvCxnSpPr>
+        <p:spPr>
+          <a:xfrm flipV="1">
+            <a:off x="2503629" y="756486"/>
+            <a:ext cx="0" cy="274320"/>
+          </a:xfrm>
+          <a:prstGeom prst="straightConnector1">
+            <a:avLst/>
+          </a:prstGeom>
+          <a:ln w="25400">
+            <a:solidFill>
+              <a:schemeClr val="tx1"/>
+            </a:solidFill>
+            <a:tailEnd type="triangle"/>
+          </a:ln>
+        </p:spPr>
+        <p:style>
+          <a:lnRef idx="1">
+            <a:schemeClr val="accent1"/>
+          </a:lnRef>
+          <a:fillRef idx="0">
+            <a:schemeClr val="accent1"/>
+          </a:fillRef>
+          <a:effectRef idx="0">
+            <a:schemeClr val="accent1"/>
+          </a:effectRef>
+          <a:fontRef idx="minor">
+            <a:schemeClr val="tx1"/>
+          </a:fontRef>
+        </p:style>
+      </p:cxnSp>
+      <p:sp>
+        <p:nvSpPr>
+          <p:cNvPr id="76" name="文本框 75"/>
+          <p:cNvSpPr txBox="1"/>
+          <p:nvPr/>
+        </p:nvSpPr>
+        <p:spPr>
+          <a:xfrm>
+            <a:off x="2391138" y="461108"/>
+            <a:ext cx="285941" cy="276999"/>
+          </a:xfrm>
+          <a:prstGeom prst="rect">
+            <a:avLst/>
+          </a:prstGeom>
+          <a:noFill/>
+        </p:spPr>
+        <p:txBody>
+          <a:bodyPr wrap="square" rtlCol="0">
+            <a:spAutoFit/>
+          </a:bodyPr>
+          <a:lstStyle/>
+          <a:p>
+            <a:r>
+              <a:rPr lang="en-US" altLang="zh-CN" sz="1200" b="1" i="1" smtClean="0">
+                <a:latin typeface="Times New Roman" panose="02020603050405020304" pitchFamily="18" charset="0"/>
+                <a:ea typeface="微软雅黑" panose="020B0503020204020204" pitchFamily="34" charset="-122"/>
+                <a:cs typeface="Times New Roman" panose="02020603050405020304" pitchFamily="18" charset="0"/>
+              </a:rPr>
+              <a:t>y</a:t>
+            </a:r>
+            <a:endParaRPr lang="en-US" altLang="zh-CN" sz="1200" b="1" i="1" baseline="-25000" smtClean="0">
+              <a:latin typeface="Times New Roman" panose="02020603050405020304" pitchFamily="18" charset="0"/>
+              <a:ea typeface="微软雅黑" panose="020B0503020204020204" pitchFamily="34" charset="-122"/>
+              <a:cs typeface="Times New Roman" panose="02020603050405020304" pitchFamily="18" charset="0"/>
+            </a:endParaRPr>
+          </a:p>
+        </p:txBody>
+      </p:sp>
+      <p:sp>
+        <p:nvSpPr>
+          <p:cNvPr id="78" name="文本框 77"/>
+          <p:cNvSpPr txBox="1"/>
+          <p:nvPr/>
+        </p:nvSpPr>
+        <p:spPr>
+          <a:xfrm>
+            <a:off x="2530837" y="1626788"/>
+            <a:ext cx="442723" cy="276999"/>
+          </a:xfrm>
+          <a:prstGeom prst="rect">
+            <a:avLst/>
+          </a:prstGeom>
+          <a:noFill/>
+        </p:spPr>
+        <p:txBody>
+          <a:bodyPr wrap="square" rtlCol="0">
+            <a:spAutoFit/>
+          </a:bodyPr>
+          <a:lstStyle/>
+          <a:p>
+            <a:r>
+              <a:rPr lang="en-US" altLang="zh-CN" sz="1200" b="1" i="1" smtClean="0">
+                <a:solidFill>
+                  <a:schemeClr val="accent6">
+                    <a:lumMod val="60000"/>
+                    <a:lumOff val="40000"/>
+                  </a:schemeClr>
+                </a:solidFill>
+                <a:latin typeface="Times New Roman" panose="02020603050405020304" pitchFamily="18" charset="0"/>
+                <a:ea typeface="微软雅黑" panose="020B0503020204020204" pitchFamily="34" charset="-122"/>
+                <a:cs typeface="Times New Roman" panose="02020603050405020304" pitchFamily="18" charset="0"/>
+              </a:rPr>
+              <a:t>1-t</a:t>
+            </a:r>
+            <a:endParaRPr lang="en-US" altLang="zh-CN" sz="1200" b="1" i="1" baseline="-25000" smtClean="0">
+              <a:solidFill>
+                <a:schemeClr val="accent6">
+                  <a:lumMod val="60000"/>
+                  <a:lumOff val="40000"/>
+                </a:schemeClr>
+              </a:solidFill>
+              <a:latin typeface="Times New Roman" panose="02020603050405020304" pitchFamily="18" charset="0"/>
+              <a:ea typeface="微软雅黑" panose="020B0503020204020204" pitchFamily="34" charset="-122"/>
+              <a:cs typeface="Times New Roman" panose="02020603050405020304" pitchFamily="18" charset="0"/>
+            </a:endParaRPr>
+          </a:p>
+        </p:txBody>
+      </p:sp>
+      <p:sp>
+        <p:nvSpPr>
+          <p:cNvPr id="79" name="文本框 78"/>
+          <p:cNvSpPr txBox="1"/>
+          <p:nvPr/>
+        </p:nvSpPr>
+        <p:spPr>
+          <a:xfrm>
+            <a:off x="2591417" y="1214544"/>
+            <a:ext cx="700352" cy="276999"/>
+          </a:xfrm>
+          <a:prstGeom prst="rect">
+            <a:avLst/>
+          </a:prstGeom>
+          <a:noFill/>
+        </p:spPr>
+        <p:txBody>
+          <a:bodyPr wrap="square" rtlCol="0">
+            <a:spAutoFit/>
+          </a:bodyPr>
+          <a:lstStyle/>
+          <a:p>
+            <a:r>
+              <a:rPr lang="en-US" altLang="zh-CN" sz="1200" b="1" smtClean="0">
+                <a:solidFill>
+                  <a:schemeClr val="accent6">
+                    <a:lumMod val="60000"/>
+                    <a:lumOff val="40000"/>
+                  </a:schemeClr>
+                </a:solidFill>
+                <a:latin typeface="Times New Roman" panose="02020603050405020304" pitchFamily="18" charset="0"/>
+                <a:ea typeface="微软雅黑" panose="020B0503020204020204" pitchFamily="34" charset="-122"/>
+                <a:cs typeface="Times New Roman" panose="02020603050405020304" pitchFamily="18" charset="0"/>
+              </a:rPr>
+              <a:t>(1</a:t>
+            </a:r>
+            <a:r>
+              <a:rPr lang="en-US" altLang="zh-CN" sz="1200" b="1" i="1" smtClean="0">
+                <a:solidFill>
+                  <a:schemeClr val="accent6">
+                    <a:lumMod val="60000"/>
+                    <a:lumOff val="40000"/>
+                  </a:schemeClr>
+                </a:solidFill>
+                <a:latin typeface="Times New Roman" panose="02020603050405020304" pitchFamily="18" charset="0"/>
+                <a:ea typeface="微软雅黑" panose="020B0503020204020204" pitchFamily="34" charset="-122"/>
+                <a:cs typeface="Times New Roman" panose="02020603050405020304" pitchFamily="18" charset="0"/>
+              </a:rPr>
+              <a:t>-t</a:t>
+            </a:r>
+            <a:r>
+              <a:rPr lang="en-US" altLang="zh-CN" sz="1200" b="1" smtClean="0">
+                <a:solidFill>
+                  <a:schemeClr val="accent6">
+                    <a:lumMod val="60000"/>
+                    <a:lumOff val="40000"/>
+                  </a:schemeClr>
+                </a:solidFill>
+                <a:latin typeface="Times New Roman" panose="02020603050405020304" pitchFamily="18" charset="0"/>
+                <a:ea typeface="微软雅黑" panose="020B0503020204020204" pitchFamily="34" charset="-122"/>
+                <a:cs typeface="Times New Roman" panose="02020603050405020304" pitchFamily="18" charset="0"/>
+              </a:rPr>
+              <a:t>)</a:t>
+            </a:r>
+            <a:r>
+              <a:rPr lang="en-US" altLang="zh-CN" sz="1200" b="1" i="1" smtClean="0">
+                <a:latin typeface="Times New Roman" panose="02020603050405020304" pitchFamily="18" charset="0"/>
+                <a:ea typeface="微软雅黑" panose="020B0503020204020204" pitchFamily="34" charset="-122"/>
+                <a:cs typeface="Times New Roman" panose="02020603050405020304" pitchFamily="18" charset="0"/>
+              </a:rPr>
+              <a:t>x</a:t>
+            </a:r>
+            <a:endParaRPr lang="en-US" altLang="zh-CN" sz="1200" b="1" i="1" baseline="-25000" smtClean="0">
+              <a:latin typeface="Times New Roman" panose="02020603050405020304" pitchFamily="18" charset="0"/>
+              <a:ea typeface="微软雅黑" panose="020B0503020204020204" pitchFamily="34" charset="-122"/>
+              <a:cs typeface="Times New Roman" panose="02020603050405020304" pitchFamily="18" charset="0"/>
+            </a:endParaRPr>
+          </a:p>
+        </p:txBody>
+      </p:sp>
+      <p:sp>
+        <p:nvSpPr>
+          <p:cNvPr id="80" name="文本框 79"/>
+          <p:cNvSpPr txBox="1"/>
+          <p:nvPr/>
+        </p:nvSpPr>
+        <p:spPr>
+          <a:xfrm>
+            <a:off x="1947724" y="1226857"/>
+            <a:ext cx="700352" cy="276999"/>
+          </a:xfrm>
+          <a:prstGeom prst="rect">
+            <a:avLst/>
+          </a:prstGeom>
+          <a:noFill/>
+        </p:spPr>
+        <p:txBody>
+          <a:bodyPr wrap="square" rtlCol="0">
+            <a:spAutoFit/>
+          </a:bodyPr>
+          <a:lstStyle/>
+          <a:p>
+            <a:r>
+              <a:rPr lang="en-US" altLang="zh-CN" sz="1200" b="1" i="1" smtClean="0">
+                <a:solidFill>
+                  <a:schemeClr val="accent6">
+                    <a:lumMod val="60000"/>
+                    <a:lumOff val="40000"/>
+                  </a:schemeClr>
+                </a:solidFill>
+                <a:latin typeface="Times New Roman" panose="02020603050405020304" pitchFamily="18" charset="0"/>
+                <a:ea typeface="微软雅黑" panose="020B0503020204020204" pitchFamily="34" charset="-122"/>
+                <a:cs typeface="Times New Roman" panose="02020603050405020304" pitchFamily="18" charset="0"/>
+              </a:rPr>
+              <a:t>t</a:t>
+            </a:r>
+            <a:r>
+              <a:rPr lang="en-US" altLang="zh-CN" sz="1200" b="1" smtClean="0">
+                <a:solidFill>
+                  <a:schemeClr val="accent1"/>
+                </a:solidFill>
+                <a:latin typeface="Times New Roman" panose="02020603050405020304" pitchFamily="18" charset="0"/>
+                <a:ea typeface="微软雅黑" panose="020B0503020204020204" pitchFamily="34" charset="-122"/>
+                <a:cs typeface="Times New Roman" panose="02020603050405020304" pitchFamily="18" charset="0"/>
+              </a:rPr>
+              <a:t>z</a:t>
+            </a:r>
+            <a:endParaRPr lang="en-US" altLang="zh-CN" sz="1200" b="1" i="1" baseline="-25000" smtClean="0">
+              <a:solidFill>
+                <a:schemeClr val="accent1"/>
+              </a:solidFill>
+              <a:latin typeface="Times New Roman" panose="02020603050405020304" pitchFamily="18" charset="0"/>
+              <a:ea typeface="微软雅黑" panose="020B0503020204020204" pitchFamily="34" charset="-122"/>
+              <a:cs typeface="Times New Roman" panose="02020603050405020304" pitchFamily="18" charset="0"/>
+            </a:endParaRPr>
+          </a:p>
+        </p:txBody>
+      </p:sp>
+      <p:sp>
+        <p:nvSpPr>
+          <p:cNvPr id="87" name="文本框 86"/>
+          <p:cNvSpPr txBox="1"/>
+          <p:nvPr/>
+        </p:nvSpPr>
+        <p:spPr>
+          <a:xfrm>
+            <a:off x="1981934" y="2792781"/>
+            <a:ext cx="813354" cy="276999"/>
+          </a:xfrm>
+          <a:prstGeom prst="rect">
+            <a:avLst/>
+          </a:prstGeom>
+          <a:noFill/>
+        </p:spPr>
+        <p:txBody>
+          <a:bodyPr wrap="square" rtlCol="0">
+            <a:spAutoFit/>
+          </a:bodyPr>
+          <a:lstStyle/>
+          <a:p>
+            <a:r>
+              <a:rPr lang="en-US" altLang="zh-CN" sz="1200" b="1" i="1" smtClean="0">
+                <a:solidFill>
+                  <a:schemeClr val="accent1"/>
+                </a:solidFill>
+                <a:latin typeface="Times New Roman" panose="02020603050405020304" pitchFamily="18" charset="0"/>
+                <a:ea typeface="微软雅黑" panose="020B0503020204020204" pitchFamily="34" charset="-122"/>
+                <a:cs typeface="Times New Roman" panose="02020603050405020304" pitchFamily="18" charset="0"/>
+              </a:rPr>
+              <a:t>W</a:t>
+            </a:r>
+            <a:r>
+              <a:rPr lang="en-US" altLang="zh-CN" sz="1200" b="1" i="1" baseline="-25000" smtClean="0">
+                <a:solidFill>
+                  <a:schemeClr val="accent1"/>
+                </a:solidFill>
+                <a:latin typeface="Times New Roman" panose="02020603050405020304" pitchFamily="18" charset="0"/>
+                <a:ea typeface="微软雅黑" panose="020B0503020204020204" pitchFamily="34" charset="-122"/>
+                <a:cs typeface="Times New Roman" panose="02020603050405020304" pitchFamily="18" charset="0"/>
+              </a:rPr>
+              <a:t>g</a:t>
+            </a:r>
+            <a:r>
+              <a:rPr lang="en-US" altLang="zh-CN" sz="1200" b="1" i="1" smtClean="0">
+                <a:solidFill>
+                  <a:schemeClr val="accent1"/>
+                </a:solidFill>
+                <a:latin typeface="Times New Roman" panose="02020603050405020304" pitchFamily="18" charset="0"/>
+                <a:ea typeface="微软雅黑" panose="020B0503020204020204" pitchFamily="34" charset="-122"/>
+                <a:cs typeface="Times New Roman" panose="02020603050405020304" pitchFamily="18" charset="0"/>
+              </a:rPr>
+              <a:t> b</a:t>
+            </a:r>
+            <a:r>
+              <a:rPr lang="en-US" altLang="zh-CN" sz="1200" b="1" i="1" baseline="-25000" smtClean="0">
+                <a:solidFill>
+                  <a:schemeClr val="accent1"/>
+                </a:solidFill>
+                <a:latin typeface="Times New Roman" panose="02020603050405020304" pitchFamily="18" charset="0"/>
+                <a:ea typeface="微软雅黑" panose="020B0503020204020204" pitchFamily="34" charset="-122"/>
+                <a:cs typeface="Times New Roman" panose="02020603050405020304" pitchFamily="18" charset="0"/>
+              </a:rPr>
+              <a:t>g</a:t>
+            </a:r>
+            <a:endParaRPr lang="en-US" altLang="zh-CN" sz="1200" b="1" i="1" baseline="-25000" smtClean="0">
+              <a:solidFill>
+                <a:schemeClr val="accent1"/>
+              </a:solidFill>
+              <a:latin typeface="Times New Roman" panose="02020603050405020304" pitchFamily="18" charset="0"/>
+              <a:ea typeface="微软雅黑" panose="020B0503020204020204" pitchFamily="34" charset="-122"/>
+              <a:cs typeface="Times New Roman" panose="02020603050405020304" pitchFamily="18" charset="0"/>
+            </a:endParaRPr>
+          </a:p>
+        </p:txBody>
+      </p:sp>
+      <p:sp>
+        <p:nvSpPr>
+          <p:cNvPr id="88" name="文本框 87"/>
+          <p:cNvSpPr txBox="1"/>
+          <p:nvPr/>
+        </p:nvSpPr>
+        <p:spPr>
+          <a:xfrm>
+            <a:off x="2536763" y="2804883"/>
+            <a:ext cx="813354" cy="276999"/>
+          </a:xfrm>
+          <a:prstGeom prst="rect">
+            <a:avLst/>
+          </a:prstGeom>
+          <a:noFill/>
+        </p:spPr>
+        <p:txBody>
+          <a:bodyPr wrap="square" rtlCol="0">
+            <a:spAutoFit/>
+          </a:bodyPr>
+          <a:lstStyle/>
+          <a:p>
+            <a:r>
+              <a:rPr lang="en-US" altLang="zh-CN" sz="1200" b="1" i="1" smtClean="0">
+                <a:solidFill>
+                  <a:schemeClr val="accent6">
+                    <a:lumMod val="60000"/>
+                    <a:lumOff val="40000"/>
+                  </a:schemeClr>
+                </a:solidFill>
+                <a:latin typeface="Times New Roman" panose="02020603050405020304" pitchFamily="18" charset="0"/>
+                <a:ea typeface="微软雅黑" panose="020B0503020204020204" pitchFamily="34" charset="-122"/>
+                <a:cs typeface="Times New Roman" panose="02020603050405020304" pitchFamily="18" charset="0"/>
+              </a:rPr>
+              <a:t>W</a:t>
+            </a:r>
+            <a:r>
+              <a:rPr lang="en-US" altLang="zh-CN" sz="1200" b="1" i="1" baseline="-25000" smtClean="0">
+                <a:solidFill>
+                  <a:schemeClr val="accent6">
+                    <a:lumMod val="60000"/>
+                    <a:lumOff val="40000"/>
+                  </a:schemeClr>
+                </a:solidFill>
+                <a:latin typeface="Times New Roman" panose="02020603050405020304" pitchFamily="18" charset="0"/>
+                <a:ea typeface="微软雅黑" panose="020B0503020204020204" pitchFamily="34" charset="-122"/>
+                <a:cs typeface="Times New Roman" panose="02020603050405020304" pitchFamily="18" charset="0"/>
+              </a:rPr>
+              <a:t>t</a:t>
+            </a:r>
+            <a:r>
+              <a:rPr lang="en-US" altLang="zh-CN" sz="1200" b="1" i="1" smtClean="0">
+                <a:solidFill>
+                  <a:schemeClr val="accent6">
+                    <a:lumMod val="60000"/>
+                    <a:lumOff val="40000"/>
+                  </a:schemeClr>
+                </a:solidFill>
+                <a:latin typeface="Times New Roman" panose="02020603050405020304" pitchFamily="18" charset="0"/>
+                <a:ea typeface="微软雅黑" panose="020B0503020204020204" pitchFamily="34" charset="-122"/>
+                <a:cs typeface="Times New Roman" panose="02020603050405020304" pitchFamily="18" charset="0"/>
+              </a:rPr>
+              <a:t> b</a:t>
+            </a:r>
+            <a:r>
+              <a:rPr lang="en-US" altLang="zh-CN" sz="1200" b="1" i="1" baseline="-25000">
+                <a:solidFill>
+                  <a:schemeClr val="accent6">
+                    <a:lumMod val="60000"/>
+                    <a:lumOff val="40000"/>
+                  </a:schemeClr>
+                </a:solidFill>
+                <a:latin typeface="Times New Roman" panose="02020603050405020304" pitchFamily="18" charset="0"/>
+                <a:ea typeface="微软雅黑" panose="020B0503020204020204" pitchFamily="34" charset="-122"/>
+                <a:cs typeface="Times New Roman" panose="02020603050405020304" pitchFamily="18" charset="0"/>
+              </a:rPr>
+              <a:t>t</a:t>
+            </a:r>
+            <a:endParaRPr lang="en-US" altLang="zh-CN" sz="1200" b="1" i="1" baseline="-25000" smtClean="0">
+              <a:solidFill>
+                <a:schemeClr val="accent6">
+                  <a:lumMod val="60000"/>
+                  <a:lumOff val="40000"/>
+                </a:schemeClr>
+              </a:solidFill>
+              <a:latin typeface="Times New Roman" panose="02020603050405020304" pitchFamily="18" charset="0"/>
+              <a:ea typeface="微软雅黑" panose="020B0503020204020204" pitchFamily="34" charset="-122"/>
+              <a:cs typeface="Times New Roman" panose="02020603050405020304" pitchFamily="18" charset="0"/>
+            </a:endParaRPr>
+          </a:p>
+        </p:txBody>
+      </p:sp>
+      <p:sp>
+        <p:nvSpPr>
+          <p:cNvPr id="89" name="文本框 88"/>
+          <p:cNvSpPr txBox="1"/>
+          <p:nvPr/>
+        </p:nvSpPr>
+        <p:spPr>
+          <a:xfrm>
+            <a:off x="1073537" y="308628"/>
+            <a:ext cx="1718740" cy="338554"/>
+          </a:xfrm>
+          <a:prstGeom prst="rect">
+            <a:avLst/>
+          </a:prstGeom>
+          <a:noFill/>
+        </p:spPr>
+        <p:txBody>
+          <a:bodyPr wrap="none" rtlCol="0">
+            <a:spAutoFit/>
+          </a:bodyPr>
+          <a:lstStyle/>
+          <a:p>
+            <a:r>
+              <a:rPr lang="en-US" altLang="zh-CN" sz="1600" b="1" i="1" smtClean="0">
+                <a:latin typeface="Times New Roman" panose="02020603050405020304" pitchFamily="18" charset="0"/>
+                <a:ea typeface="微软雅黑" panose="020B0503020204020204" pitchFamily="34" charset="-122"/>
+                <a:cs typeface="Times New Roman" panose="02020603050405020304" pitchFamily="18" charset="0"/>
+              </a:rPr>
+              <a:t>Highway Network</a:t>
+            </a:r>
+            <a:endParaRPr lang="zh-CN" altLang="en-US" sz="1600" b="1" baseline="-25000">
+              <a:latin typeface="Times New Roman" panose="02020603050405020304" pitchFamily="18" charset="0"/>
+              <a:ea typeface="微软雅黑" panose="020B0503020204020204" pitchFamily="34" charset="-122"/>
+              <a:cs typeface="Times New Roman" panose="02020603050405020304" pitchFamily="18" charset="0"/>
+            </a:endParaRPr>
+          </a:p>
+        </p:txBody>
+      </p:sp>
     </p:spTree>
     <p:extLst>
       <p:ext uri="{BB962C8B-B14F-4D97-AF65-F5344CB8AC3E}">
@@ -25423,4 +28203,265 @@
     </a:ext>
   </a:extLst>
 </a:theme>
+</file>
+
+<file path=ppt/theme/theme2.xml><?xml version="1.0" encoding="utf-8"?>
+<a:theme xmlns:a="http://schemas.openxmlformats.org/drawingml/2006/main" name="Office 主题​​">
+  <a:themeElements>
+    <a:clrScheme name="Office">
+      <a:dk1>
+        <a:sysClr val="windowText" lastClr="000000"/>
+      </a:dk1>
+      <a:lt1>
+        <a:sysClr val="window" lastClr="FFFFFF"/>
+      </a:lt1>
+      <a:dk2>
+        <a:srgbClr val="44546A"/>
+      </a:dk2>
+      <a:lt2>
+        <a:srgbClr val="E7E6E6"/>
+      </a:lt2>
+      <a:accent1>
+        <a:srgbClr val="5B9BD5"/>
+      </a:accent1>
+      <a:accent2>
+        <a:srgbClr val="ED7D31"/>
+      </a:accent2>
+      <a:accent3>
+        <a:srgbClr val="A5A5A5"/>
+      </a:accent3>
+      <a:accent4>
+        <a:srgbClr val="FFC000"/>
+      </a:accent4>
+      <a:accent5>
+        <a:srgbClr val="4472C4"/>
+      </a:accent5>
+      <a:accent6>
+        <a:srgbClr val="70AD47"/>
+      </a:accent6>
+      <a:hlink>
+        <a:srgbClr val="0563C1"/>
+      </a:hlink>
+      <a:folHlink>
+        <a:srgbClr val="954F72"/>
+      </a:folHlink>
+    </a:clrScheme>
+    <a:fontScheme name="Office">
+      <a:majorFont>
+        <a:latin typeface="等线 Light" panose="020F0302020204030204"/>
+        <a:ea typeface=""/>
+        <a:cs typeface=""/>
+        <a:font script="Jpan" typeface="游ゴシック Light"/>
+        <a:font script="Hang" typeface="맑은 고딕"/>
+        <a:font script="Hans" typeface="等线 Light"/>
+        <a:font script="Hant" typeface="新細明體"/>
+        <a:font script="Arab" typeface="Times New Roman"/>
+        <a:font script="Hebr" typeface="Times New Roman"/>
+        <a:font script="Thai" typeface="Angsana New"/>
+        <a:font script="Ethi" typeface="Nyala"/>
+        <a:font script="Beng" typeface="Vrinda"/>
+        <a:font script="Gujr" typeface="Shruti"/>
+        <a:font script="Khmr" typeface="MoolBoran"/>
+        <a:font script="Knda" typeface="Tunga"/>
+        <a:font script="Guru" typeface="Raavi"/>
+        <a:font script="Cans" typeface="Euphemia"/>
+        <a:font script="Cher" typeface="Plantagenet Cherokee"/>
+        <a:font script="Yiii" typeface="Microsoft Yi Baiti"/>
+        <a:font script="Tibt" typeface="Microsoft Himalaya"/>
+        <a:font script="Thaa" typeface="MV Boli"/>
+        <a:font script="Deva" typeface="Mangal"/>
+        <a:font script="Telu" typeface="Gautami"/>
+        <a:font script="Taml" typeface="Latha"/>
+        <a:font script="Syrc" typeface="Estrangelo Edessa"/>
+        <a:font script="Orya" typeface="Kalinga"/>
+        <a:font script="Mlym" typeface="Kartika"/>
+        <a:font script="Laoo" typeface="DokChampa"/>
+        <a:font script="Sinh" typeface="Iskoola Pota"/>
+        <a:font script="Mong" typeface="Mongolian Baiti"/>
+        <a:font script="Viet" typeface="Times New Roman"/>
+        <a:font script="Uigh" typeface="Microsoft Uighur"/>
+        <a:font script="Geor" typeface="Sylfaen"/>
+      </a:majorFont>
+      <a:minorFont>
+        <a:latin typeface="等线" panose="020F0502020204030204"/>
+        <a:ea typeface=""/>
+        <a:cs typeface=""/>
+        <a:font script="Jpan" typeface="游ゴシック"/>
+        <a:font script="Hang" typeface="맑은 고딕"/>
+        <a:font script="Hans" typeface="等线"/>
+        <a:font script="Hant" typeface="新細明體"/>
+        <a:font script="Arab" typeface="Arial"/>
+        <a:font script="Hebr" typeface="Arial"/>
+        <a:font script="Thai" typeface="Cordia New"/>
+        <a:font script="Ethi" typeface="Nyala"/>
+        <a:font script="Beng" typeface="Vrinda"/>
+        <a:font script="Gujr" typeface="Shruti"/>
+        <a:font script="Khmr" typeface="DaunPenh"/>
+        <a:font script="Knda" typeface="Tunga"/>
+        <a:font script="Guru" typeface="Raavi"/>
+        <a:font script="Cans" typeface="Euphemia"/>
+        <a:font script="Cher" typeface="Plantagenet Cherokee"/>
+        <a:font script="Yiii" typeface="Microsoft Yi Baiti"/>
+        <a:font script="Tibt" typeface="Microsoft Himalaya"/>
+        <a:font script="Thaa" typeface="MV Boli"/>
+        <a:font script="Deva" typeface="Mangal"/>
+        <a:font script="Telu" typeface="Gautami"/>
+        <a:font script="Taml" typeface="Latha"/>
+        <a:font script="Syrc" typeface="Estrangelo Edessa"/>
+        <a:font script="Orya" typeface="Kalinga"/>
+        <a:font script="Mlym" typeface="Kartika"/>
+        <a:font script="Laoo" typeface="DokChampa"/>
+        <a:font script="Sinh" typeface="Iskoola Pota"/>
+        <a:font script="Mong" typeface="Mongolian Baiti"/>
+        <a:font script="Viet" typeface="Arial"/>
+        <a:font script="Uigh" typeface="Microsoft Uighur"/>
+        <a:font script="Geor" typeface="Sylfaen"/>
+      </a:minorFont>
+    </a:fontScheme>
+    <a:fmtScheme name="Office">
+      <a:fillStyleLst>
+        <a:solidFill>
+          <a:schemeClr val="phClr"/>
+        </a:solidFill>
+        <a:gradFill rotWithShape="1">
+          <a:gsLst>
+            <a:gs pos="0">
+              <a:schemeClr val="phClr">
+                <a:lumMod val="110000"/>
+                <a:satMod val="105000"/>
+                <a:tint val="67000"/>
+              </a:schemeClr>
+            </a:gs>
+            <a:gs pos="50000">
+              <a:schemeClr val="phClr">
+                <a:lumMod val="105000"/>
+                <a:satMod val="103000"/>
+                <a:tint val="73000"/>
+              </a:schemeClr>
+            </a:gs>
+            <a:gs pos="100000">
+              <a:schemeClr val="phClr">
+                <a:lumMod val="105000"/>
+                <a:satMod val="109000"/>
+                <a:tint val="81000"/>
+              </a:schemeClr>
+            </a:gs>
+          </a:gsLst>
+          <a:lin ang="5400000" scaled="0"/>
+        </a:gradFill>
+        <a:gradFill rotWithShape="1">
+          <a:gsLst>
+            <a:gs pos="0">
+              <a:schemeClr val="phClr">
+                <a:satMod val="103000"/>
+                <a:lumMod val="102000"/>
+                <a:tint val="94000"/>
+              </a:schemeClr>
+            </a:gs>
+            <a:gs pos="50000">
+              <a:schemeClr val="phClr">
+                <a:satMod val="110000"/>
+                <a:lumMod val="100000"/>
+                <a:shade val="100000"/>
+              </a:schemeClr>
+            </a:gs>
+            <a:gs pos="100000">
+              <a:schemeClr val="phClr">
+                <a:lumMod val="99000"/>
+                <a:satMod val="120000"/>
+                <a:shade val="78000"/>
+              </a:schemeClr>
+            </a:gs>
+          </a:gsLst>
+          <a:lin ang="5400000" scaled="0"/>
+        </a:gradFill>
+      </a:fillStyleLst>
+      <a:lnStyleLst>
+        <a:ln w="6350" cap="flat" cmpd="sng" algn="ctr">
+          <a:solidFill>
+            <a:schemeClr val="phClr"/>
+          </a:solidFill>
+          <a:prstDash val="solid"/>
+          <a:miter lim="800000"/>
+        </a:ln>
+        <a:ln w="12700" cap="flat" cmpd="sng" algn="ctr">
+          <a:solidFill>
+            <a:schemeClr val="phClr"/>
+          </a:solidFill>
+          <a:prstDash val="solid"/>
+          <a:miter lim="800000"/>
+        </a:ln>
+        <a:ln w="19050" cap="flat" cmpd="sng" algn="ctr">
+          <a:solidFill>
+            <a:schemeClr val="phClr"/>
+          </a:solidFill>
+          <a:prstDash val="solid"/>
+          <a:miter lim="800000"/>
+        </a:ln>
+      </a:lnStyleLst>
+      <a:effectStyleLst>
+        <a:effectStyle>
+          <a:effectLst/>
+        </a:effectStyle>
+        <a:effectStyle>
+          <a:effectLst/>
+        </a:effectStyle>
+        <a:effectStyle>
+          <a:effectLst>
+            <a:outerShdw blurRad="57150" dist="19050" dir="5400000" algn="ctr" rotWithShape="0">
+              <a:srgbClr val="000000">
+                <a:alpha val="63000"/>
+              </a:srgbClr>
+            </a:outerShdw>
+          </a:effectLst>
+        </a:effectStyle>
+      </a:effectStyleLst>
+      <a:bgFillStyleLst>
+        <a:solidFill>
+          <a:schemeClr val="phClr"/>
+        </a:solidFill>
+        <a:solidFill>
+          <a:schemeClr val="phClr">
+            <a:tint val="95000"/>
+            <a:satMod val="170000"/>
+          </a:schemeClr>
+        </a:solidFill>
+        <a:gradFill rotWithShape="1">
+          <a:gsLst>
+            <a:gs pos="0">
+              <a:schemeClr val="phClr">
+                <a:tint val="93000"/>
+                <a:satMod val="150000"/>
+                <a:shade val="98000"/>
+                <a:lumMod val="102000"/>
+              </a:schemeClr>
+            </a:gs>
+            <a:gs pos="50000">
+              <a:schemeClr val="phClr">
+                <a:tint val="98000"/>
+                <a:satMod val="130000"/>
+                <a:shade val="90000"/>
+                <a:lumMod val="103000"/>
+              </a:schemeClr>
+            </a:gs>
+            <a:gs pos="100000">
+              <a:schemeClr val="phClr">
+                <a:shade val="63000"/>
+                <a:satMod val="120000"/>
+              </a:schemeClr>
+            </a:gs>
+          </a:gsLst>
+          <a:lin ang="5400000" scaled="0"/>
+        </a:gradFill>
+      </a:bgFillStyleLst>
+    </a:fmtScheme>
+  </a:themeElements>
+  <a:objectDefaults/>
+  <a:extraClrSchemeLst/>
+  <a:extLst>
+    <a:ext uri="{05A4C25C-085E-4340-85A3-A5531E510DB2}">
+      <thm15:themeFamily xmlns:thm15="http://schemas.microsoft.com/office/thememl/2012/main" name="Office Theme" id="{62F939B6-93AF-4DB8-9C6B-D6C7DFDC589F}" vid="{4A3C46E8-61CC-4603-A589-7422A47A8E4A}"/>
+    </a:ext>
+  </a:extLst>
+</a:theme>
 </file>